--- a/Logic/2025/set_theory.pptx
+++ b/Logic/2025/set_theory.pptx
@@ -6070,10 +6070,17 @@
                   <a:rPr lang="zh-CN" altLang="en-US"/>
                   <a:t>（也称映射）</a:t>
                 </a:r>
-                <a:r>
-                  <a:rPr lang="en-US" altLang="zh-CN"/>
-                  <a:t>f</a:t>
-                </a:r>
+                <a14:m>
+                  <m:oMath xmlns:m="http://schemas.openxmlformats.org/officeDocument/2006/math">
+                    <m:r>
+                      <a:rPr lang="en-US" altLang="zh-CN" i="1">
+                        <a:latin typeface="Cambria Math" panose="02040503050406030204" charset="0"/>
+                        <a:cs typeface="Cambria Math" panose="02040503050406030204" charset="0"/>
+                      </a:rPr>
+                      <m:t>𝑓</m:t>
+                    </m:r>
+                  </m:oMath>
+                </a14:m>
                 <a:r>
                   <a:rPr lang="zh-CN" altLang="en-US"/>
                   <a:t>是有序偶构成的集合，使得如果</a:t>
@@ -6717,6 +6724,329 @@
           </a:p>
         </p:txBody>
       </p:sp>
+      <mc:AlternateContent xmlns:mc="http://schemas.openxmlformats.org/markup-compatibility/2006">
+        <mc:Choice xmlns:a14="http://schemas.microsoft.com/office/drawing/2010/main" Requires="a14">
+          <p:sp>
+            <p:nvSpPr>
+              <p:cNvPr id="6" name="文本框 5"/>
+              <p:cNvSpPr txBox="1"/>
+              <p:nvPr/>
+            </p:nvSpPr>
+            <p:spPr>
+              <a:xfrm>
+                <a:off x="4267200" y="2133600"/>
+                <a:ext cx="3665855" cy="706755"/>
+              </a:xfrm>
+              <a:prstGeom prst="rect">
+                <a:avLst/>
+              </a:prstGeom>
+              <a:solidFill>
+                <a:schemeClr val="accent1">
+                  <a:lumMod val="20000"/>
+                  <a:lumOff val="80000"/>
+                </a:schemeClr>
+              </a:solidFill>
+              <a:ln w="12700" cmpd="sng">
+                <a:solidFill>
+                  <a:srgbClr val="0070C0"/>
+                </a:solidFill>
+                <a:prstDash val="solid"/>
+              </a:ln>
+            </p:spPr>
+            <p:txBody>
+              <a:bodyPr wrap="square" rtlCol="0">
+                <a:spAutoFit/>
+              </a:bodyPr>
+              <a:p>
+                <a:r>
+                  <a:rPr lang="zh-CN" altLang="en-US"/>
+                  <a:t>例，</a:t>
+                </a:r>
+                <a14:m>
+                  <m:oMath xmlns:m="http://schemas.openxmlformats.org/officeDocument/2006/math">
+                    <m:r>
+                      <a:rPr lang="en-US" altLang="zh-CN" i="1">
+                        <a:latin typeface="Cambria Math" panose="02040503050406030204" charset="0"/>
+                        <a:cs typeface="Cambria Math" panose="02040503050406030204" charset="0"/>
+                      </a:rPr>
+                      <m:t>𝑓</m:t>
+                    </m:r>
+                    <m:r>
+                      <a:rPr lang="en-US" altLang="zh-CN" i="1">
+                        <a:latin typeface="Cambria Math" panose="02040503050406030204" charset="0"/>
+                        <a:cs typeface="Cambria Math" panose="02040503050406030204" charset="0"/>
+                      </a:rPr>
+                      <m:t>(</m:t>
+                    </m:r>
+                    <m:r>
+                      <a:rPr lang="en-US" altLang="zh-CN" i="1">
+                        <a:latin typeface="Cambria Math" panose="02040503050406030204" charset="0"/>
+                        <a:cs typeface="Cambria Math" panose="02040503050406030204" charset="0"/>
+                      </a:rPr>
+                      <m:t>𝑥</m:t>
+                    </m:r>
+                    <m:r>
+                      <a:rPr lang="en-US" altLang="zh-CN" i="1">
+                        <a:latin typeface="Cambria Math" panose="02040503050406030204" charset="0"/>
+                        <a:cs typeface="Cambria Math" panose="02040503050406030204" charset="0"/>
+                      </a:rPr>
+                      <m:t>)=</m:t>
+                    </m:r>
+                    <m:r>
+                      <a:rPr lang="en-US" altLang="zh-CN" i="1">
+                        <a:latin typeface="Cambria Math" panose="02040503050406030204" charset="0"/>
+                        <a:cs typeface="Cambria Math" panose="02040503050406030204" charset="0"/>
+                      </a:rPr>
+                      <m:t>𝑥</m:t>
+                    </m:r>
+                    <m:r>
+                      <a:rPr lang="en-US" altLang="zh-CN" i="1">
+                        <a:latin typeface="Cambria Math" panose="02040503050406030204" charset="0"/>
+                        <a:cs typeface="Cambria Math" panose="02040503050406030204" charset="0"/>
+                      </a:rPr>
+                      <m:t>+</m:t>
+                    </m:r>
+                    <m:r>
+                      <a:rPr lang="en-US" altLang="zh-CN" i="1">
+                        <a:latin typeface="Cambria Math" panose="02040503050406030204" charset="0"/>
+                        <a:cs typeface="Cambria Math" panose="02040503050406030204" charset="0"/>
+                      </a:rPr>
+                      <m:t>1</m:t>
+                    </m:r>
+                  </m:oMath>
+                </a14:m>
+                <a:r>
+                  <a:rPr lang="zh-CN" altLang="en-US">
+                    <a:latin typeface="Cambria Math" panose="02040503050406030204" charset="0"/>
+                    <a:cs typeface="Cambria Math" panose="02040503050406030204" charset="0"/>
+                  </a:rPr>
+                  <a:t>，</a:t>
+                </a:r>
+                <a:r>
+                  <a:rPr lang="en-US" altLang="zh-CN">
+                    <a:latin typeface="Cambria Math" panose="02040503050406030204" charset="0"/>
+                    <a:cs typeface="Cambria Math" panose="02040503050406030204" charset="0"/>
+                  </a:rPr>
+                  <a:t>x</a:t>
+                </a:r>
+                <a:r>
+                  <a:rPr lang="zh-CN" altLang="en-US">
+                    <a:latin typeface="Cambria Math" panose="02040503050406030204" charset="0"/>
+                    <a:cs typeface="Cambria Math" panose="02040503050406030204" charset="0"/>
+                  </a:rPr>
+                  <a:t>取</a:t>
+                </a:r>
+                <a:r>
+                  <a:rPr lang="zh-CN" altLang="en-US">
+                    <a:latin typeface="Cambria Math" panose="02040503050406030204" charset="0"/>
+                    <a:cs typeface="Cambria Math" panose="02040503050406030204" charset="0"/>
+                  </a:rPr>
+                  <a:t>自然数，则</a:t>
+                </a:r>
+                <a14:m>
+                  <m:oMath xmlns:m="http://schemas.openxmlformats.org/officeDocument/2006/math">
+                    <m:r>
+                      <a:rPr lang="en-US" altLang="zh-CN" i="1">
+                        <a:latin typeface="Cambria Math" panose="02040503050406030204" charset="0"/>
+                        <a:cs typeface="Cambria Math" panose="02040503050406030204" charset="0"/>
+                      </a:rPr>
+                      <m:t>𝑓</m:t>
+                    </m:r>
+                    <m:r>
+                      <a:rPr lang="en-US" altLang="zh-CN" i="1">
+                        <a:latin typeface="Cambria Math" panose="02040503050406030204" charset="0"/>
+                        <a:cs typeface="Cambria Math" panose="02040503050406030204" charset="0"/>
+                      </a:rPr>
+                      <m:t>={</m:t>
+                    </m:r>
+                    <m:d>
+                      <m:dPr>
+                        <m:begChr m:val="〈"/>
+                        <m:endChr m:val="〉"/>
+                        <m:ctrlPr>
+                          <a:rPr lang="en-US" altLang="zh-CN" i="1">
+                            <a:latin typeface="Cambria Math" panose="02040503050406030204" charset="0"/>
+                            <a:cs typeface="Cambria Math" panose="02040503050406030204" charset="0"/>
+                          </a:rPr>
+                        </m:ctrlPr>
+                      </m:dPr>
+                      <m:e>
+                        <m:r>
+                          <a:rPr lang="en-US" altLang="zh-CN" i="1">
+                            <a:latin typeface="Cambria Math" panose="02040503050406030204" charset="0"/>
+                            <a:cs typeface="Cambria Math" panose="02040503050406030204" charset="0"/>
+                          </a:rPr>
+                          <m:t>0</m:t>
+                        </m:r>
+                        <m:r>
+                          <a:rPr lang="en-US" altLang="zh-CN" i="1">
+                            <a:latin typeface="Cambria Math" panose="02040503050406030204" charset="0"/>
+                            <a:cs typeface="Cambria Math" panose="02040503050406030204" charset="0"/>
+                          </a:rPr>
+                          <m:t>,</m:t>
+                        </m:r>
+                        <m:r>
+                          <a:rPr lang="en-US" altLang="zh-CN" i="1">
+                            <a:latin typeface="Cambria Math" panose="02040503050406030204" charset="0"/>
+                            <a:cs typeface="Cambria Math" panose="02040503050406030204" charset="0"/>
+                          </a:rPr>
+                          <m:t>1</m:t>
+                        </m:r>
+                      </m:e>
+                    </m:d>
+                    <m:r>
+                      <a:rPr lang="en-US" altLang="zh-CN" i="1">
+                        <a:latin typeface="Cambria Math" panose="02040503050406030204" charset="0"/>
+                        <a:cs typeface="Cambria Math" panose="02040503050406030204" charset="0"/>
+                      </a:rPr>
+                      <m:t>,</m:t>
+                    </m:r>
+                    <m:d>
+                      <m:dPr>
+                        <m:begChr m:val="〈"/>
+                        <m:endChr m:val="〉"/>
+                        <m:ctrlPr>
+                          <a:rPr lang="en-US" altLang="zh-CN" i="1">
+                            <a:latin typeface="Cambria Math" panose="02040503050406030204" charset="0"/>
+                            <a:cs typeface="Cambria Math" panose="02040503050406030204" charset="0"/>
+                          </a:rPr>
+                        </m:ctrlPr>
+                      </m:dPr>
+                      <m:e>
+                        <m:r>
+                          <a:rPr lang="en-US" altLang="zh-CN" i="1">
+                            <a:latin typeface="Cambria Math" panose="02040503050406030204" charset="0"/>
+                            <a:cs typeface="Cambria Math" panose="02040503050406030204" charset="0"/>
+                          </a:rPr>
+                          <m:t>1</m:t>
+                        </m:r>
+                        <m:r>
+                          <a:rPr lang="en-US" altLang="zh-CN" i="1">
+                            <a:latin typeface="Cambria Math" panose="02040503050406030204" charset="0"/>
+                            <a:cs typeface="Cambria Math" panose="02040503050406030204" charset="0"/>
+                          </a:rPr>
+                          <m:t>,</m:t>
+                        </m:r>
+                        <m:r>
+                          <a:rPr lang="en-US" altLang="zh-CN" i="1">
+                            <a:latin typeface="Cambria Math" panose="02040503050406030204" charset="0"/>
+                            <a:cs typeface="Cambria Math" panose="02040503050406030204" charset="0"/>
+                          </a:rPr>
+                          <m:t>2</m:t>
+                        </m:r>
+                      </m:e>
+                    </m:d>
+                    <m:r>
+                      <a:rPr lang="en-US" altLang="zh-CN" i="1">
+                        <a:latin typeface="Cambria Math" panose="02040503050406030204" charset="0"/>
+                        <a:cs typeface="Cambria Math" panose="02040503050406030204" charset="0"/>
+                      </a:rPr>
+                      <m:t>,</m:t>
+                    </m:r>
+                    <m:d>
+                      <m:dPr>
+                        <m:begChr m:val="〈"/>
+                        <m:endChr m:val="〉"/>
+                        <m:ctrlPr>
+                          <a:rPr lang="en-US" altLang="zh-CN" i="1">
+                            <a:latin typeface="Cambria Math" panose="02040503050406030204" charset="0"/>
+                            <a:cs typeface="Cambria Math" panose="02040503050406030204" charset="0"/>
+                          </a:rPr>
+                        </m:ctrlPr>
+                      </m:dPr>
+                      <m:e>
+                        <m:r>
+                          <a:rPr lang="en-US" altLang="zh-CN" i="1">
+                            <a:latin typeface="Cambria Math" panose="02040503050406030204" charset="0"/>
+                            <a:cs typeface="Cambria Math" panose="02040503050406030204" charset="0"/>
+                          </a:rPr>
+                          <m:t>2</m:t>
+                        </m:r>
+                        <m:r>
+                          <a:rPr lang="en-US" altLang="zh-CN" i="1">
+                            <a:latin typeface="Cambria Math" panose="02040503050406030204" charset="0"/>
+                            <a:cs typeface="Cambria Math" panose="02040503050406030204" charset="0"/>
+                          </a:rPr>
+                          <m:t>,</m:t>
+                        </m:r>
+                        <m:r>
+                          <a:rPr lang="en-US" altLang="zh-CN" i="1">
+                            <a:latin typeface="Cambria Math" panose="02040503050406030204" charset="0"/>
+                            <a:cs typeface="Cambria Math" panose="02040503050406030204" charset="0"/>
+                          </a:rPr>
+                          <m:t>3</m:t>
+                        </m:r>
+                      </m:e>
+                    </m:d>
+                    <m:r>
+                      <a:rPr lang="en-US" altLang="zh-CN" i="1">
+                        <a:latin typeface="Cambria Math" panose="02040503050406030204" charset="0"/>
+                        <a:cs typeface="Cambria Math" panose="02040503050406030204" charset="0"/>
+                      </a:rPr>
+                      <m:t>,...}</m:t>
+                    </m:r>
+                  </m:oMath>
+                </a14:m>
+                <a:r>
+                  <a:rPr lang="zh-CN" altLang="en-US">
+                    <a:latin typeface="Cambria Math" panose="02040503050406030204" charset="0"/>
+                    <a:cs typeface="Cambria Math" panose="02040503050406030204" charset="0"/>
+                  </a:rPr>
+                  <a:t>。</a:t>
+                </a:r>
+                <a:endParaRPr lang="zh-CN" altLang="en-US">
+                  <a:latin typeface="Cambria Math" panose="02040503050406030204" charset="0"/>
+                  <a:cs typeface="Cambria Math" panose="02040503050406030204" charset="0"/>
+                </a:endParaRPr>
+              </a:p>
+            </p:txBody>
+          </p:sp>
+        </mc:Choice>
+        <mc:Fallback>
+          <p:sp>
+            <p:nvSpPr>
+              <p:cNvPr id="6" name="文本框 5"/>
+              <p:cNvSpPr txBox="1">
+                <a:spLocks noRot="1" noChangeAspect="1" noMove="1" noResize="1" noEditPoints="1" noAdjustHandles="1" noChangeArrowheads="1" noChangeShapeType="1" noTextEdit="1"/>
+              </p:cNvSpPr>
+              <p:nvPr/>
+            </p:nvSpPr>
+            <p:spPr>
+              <a:xfrm>
+                <a:off x="4267200" y="2133600"/>
+                <a:ext cx="3665855" cy="706755"/>
+              </a:xfrm>
+              <a:prstGeom prst="rect">
+                <a:avLst/>
+              </a:prstGeom>
+              <a:blipFill rotWithShape="1">
+                <a:blip r:embed="rId2"/>
+                <a:stretch>
+                  <a:fillRect l="-173" t="-898" r="-173" b="-898"/>
+                </a:stretch>
+              </a:blipFill>
+              <a:ln w="12700" cmpd="sng">
+                <a:solidFill>
+                  <a:srgbClr val="0070C0"/>
+                </a:solidFill>
+                <a:prstDash val="solid"/>
+              </a:ln>
+            </p:spPr>
+            <p:txBody>
+              <a:bodyPr/>
+              <a:lstStyle/>
+              <a:p>
+                <a:r>
+                  <a:rPr lang="zh-CN" altLang="en-US">
+                    <a:noFill/>
+                  </a:rPr>
+                  <a:t> </a:t>
+                </a:r>
+              </a:p>
+            </p:txBody>
+          </p:sp>
+        </mc:Fallback>
+      </mc:AlternateContent>
     </p:spTree>
   </p:cSld>
   <p:clrMapOvr>
@@ -6912,6 +7242,20 @@
                   </a:rPr>
                   <a:t>记作</a:t>
                 </a:r>
+                <a14:m>
+                  <m:oMath xmlns:m="http://schemas.openxmlformats.org/officeDocument/2006/math">
+                    <m:r>
+                      <a:rPr lang="en-US" altLang="zh-CN" i="1">
+                        <a:solidFill>
+                          <a:srgbClr val="0070C0"/>
+                        </a:solidFill>
+                        <a:latin typeface="Cambria Math" panose="02040503050406030204" charset="0"/>
+                        <a:cs typeface="Cambria Math" panose="02040503050406030204" charset="0"/>
+                      </a:rPr>
+                      <m:t>𝑓</m:t>
+                    </m:r>
+                  </m:oMath>
+                </a14:m>
                 <a:r>
                   <a:rPr lang="en-US" altLang="zh-CN">
                     <a:solidFill>
@@ -6920,7 +7264,7 @@
                     <a:latin typeface="Cambria Math" panose="02040503050406030204" charset="0"/>
                     <a:cs typeface="Cambria Math" panose="02040503050406030204" charset="0"/>
                   </a:rPr>
-                  <a:t>f(x)</a:t>
+                  <a:t>(x)</a:t>
                 </a:r>
                 <a:r>
                   <a:rPr lang="zh-CN" altLang="en-US">
@@ -6943,16 +7287,20 @@
                   </a:rPr>
                   <a:t>为</a:t>
                 </a:r>
-                <a:r>
-                  <a:rPr lang="en-US" altLang="zh-CN">
-                    <a:solidFill>
-                      <a:srgbClr val="0070C0"/>
-                    </a:solidFill>
-                    <a:latin typeface="Cambria Math" panose="02040503050406030204" charset="0"/>
-                    <a:cs typeface="Cambria Math" panose="02040503050406030204" charset="0"/>
-                  </a:rPr>
-                  <a:t>f</a:t>
-                </a:r>
+                <a14:m>
+                  <m:oMath xmlns:m="http://schemas.openxmlformats.org/officeDocument/2006/math">
+                    <m:r>
+                      <a:rPr lang="en-US" altLang="zh-CN" i="1">
+                        <a:solidFill>
+                          <a:srgbClr val="0070C0"/>
+                        </a:solidFill>
+                        <a:latin typeface="Cambria Math" panose="02040503050406030204" charset="0"/>
+                        <a:cs typeface="Cambria Math" panose="02040503050406030204" charset="0"/>
+                      </a:rPr>
+                      <m:t>𝑓</m:t>
+                    </m:r>
+                  </m:oMath>
+                </a14:m>
                 <a:r>
                   <a:rPr lang="zh-CN" altLang="en-US">
                     <a:solidFill>
@@ -7009,18 +7357,6 @@
                   </a:rPr>
                   <a:t>若</a:t>
                 </a:r>
-                <a:r>
-                  <a:rPr lang="en-US" altLang="zh-CN">
-                    <a:sym typeface="+mn-ea"/>
-                  </a:rPr>
-                  <a:t>f</a:t>
-                </a:r>
-                <a:r>
-                  <a:rPr lang="zh-CN" altLang="en-US">
-                    <a:sym typeface="+mn-ea"/>
-                  </a:rPr>
-                  <a:t>是函数，且</a:t>
-                </a:r>
                 <a14:m>
                   <m:oMath xmlns:m="http://schemas.openxmlformats.org/officeDocument/2006/math">
                     <m:r>
@@ -7028,94 +7364,115 @@
                         <a:latin typeface="Cambria Math" panose="02040503050406030204" charset="0"/>
                         <a:cs typeface="Cambria Math" panose="02040503050406030204" charset="0"/>
                       </a:rPr>
-                      <m:t>𝑑𝑜𝑚</m:t>
-                    </m:r>
-                    <m:r>
-                      <a:rPr lang="en-US" altLang="zh-CN" i="1">
-                        <a:latin typeface="Cambria Math" panose="02040503050406030204" charset="0"/>
-                        <a:cs typeface="Cambria Math" panose="02040503050406030204" charset="0"/>
-                      </a:rPr>
-                      <m:t>(</m:t>
-                    </m:r>
-                    <m:r>
-                      <a:rPr lang="en-US" altLang="zh-CN" i="1">
-                        <a:latin typeface="Cambria Math" panose="02040503050406030204" charset="0"/>
-                        <a:cs typeface="Cambria Math" panose="02040503050406030204" charset="0"/>
-                      </a:rPr>
                       <m:t>𝑓</m:t>
-                    </m:r>
-                    <m:r>
-                      <a:rPr lang="en-US" altLang="zh-CN" i="1">
-                        <a:latin typeface="Cambria Math" panose="02040503050406030204" charset="0"/>
-                        <a:cs typeface="Cambria Math" panose="02040503050406030204" charset="0"/>
-                      </a:rPr>
-                      <m:t>)=</m:t>
-                    </m:r>
-                    <m:r>
-                      <a:rPr lang="en-US" altLang="zh-CN" i="1">
-                        <a:latin typeface="Cambria Math" panose="02040503050406030204" charset="0"/>
-                        <a:cs typeface="Cambria Math" panose="02040503050406030204" charset="0"/>
-                      </a:rPr>
-                      <m:t>𝑆</m:t>
-                    </m:r>
-                    <m:r>
-                      <a:rPr lang="en-US" altLang="zh-CN" i="1">
-                        <a:latin typeface="Cambria Math" panose="02040503050406030204" charset="0"/>
-                        <a:cs typeface="Cambria Math" panose="02040503050406030204" charset="0"/>
-                      </a:rPr>
-                      <m:t>，</m:t>
-                    </m:r>
-                    <m:r>
-                      <a:rPr lang="en-US" altLang="zh-CN" i="1">
-                        <a:latin typeface="Cambria Math" panose="02040503050406030204" charset="0"/>
-                        <a:cs typeface="Cambria Math" panose="02040503050406030204" charset="0"/>
-                      </a:rPr>
-                      <m:t>𝑟𝑎𝑛</m:t>
-                    </m:r>
-                    <m:r>
-                      <a:rPr lang="en-US" altLang="zh-CN" i="1">
-                        <a:latin typeface="Cambria Math" panose="02040503050406030204" charset="0"/>
-                        <a:cs typeface="Cambria Math" panose="02040503050406030204" charset="0"/>
-                      </a:rPr>
-                      <m:t>(</m:t>
-                    </m:r>
-                    <m:r>
-                      <a:rPr lang="en-US" altLang="zh-CN" i="1">
-                        <a:latin typeface="Cambria Math" panose="02040503050406030204" charset="0"/>
-                        <a:cs typeface="Cambria Math" panose="02040503050406030204" charset="0"/>
-                      </a:rPr>
-                      <m:t>𝑓</m:t>
-                    </m:r>
-                    <m:r>
-                      <a:rPr lang="en-US" altLang="zh-CN" i="1">
-                        <a:latin typeface="Cambria Math" panose="02040503050406030204" charset="0"/>
-                        <a:cs typeface="Cambria Math" panose="02040503050406030204" charset="0"/>
-                      </a:rPr>
-                      <m:t>)⊆</m:t>
-                    </m:r>
-                    <m:r>
-                      <a:rPr lang="en-US" altLang="zh-CN" i="1">
-                        <a:latin typeface="Cambria Math" panose="02040503050406030204" charset="0"/>
-                        <a:cs typeface="Cambria Math" panose="02040503050406030204" charset="0"/>
-                      </a:rPr>
-                      <m:t>𝑇</m:t>
                     </m:r>
                   </m:oMath>
                 </a14:m>
                 <a:r>
                   <a:rPr lang="zh-CN" altLang="en-US">
+                    <a:sym typeface="+mn-ea"/>
+                  </a:rPr>
+                  <a:t>是函数，且</a:t>
+                </a:r>
+                <a14:m>
+                  <m:oMath xmlns:m="http://schemas.openxmlformats.org/officeDocument/2006/math">
+                    <m:r>
+                      <a:rPr lang="en-US" altLang="zh-CN" i="1">
+                        <a:latin typeface="Cambria Math" panose="02040503050406030204" charset="0"/>
+                        <a:cs typeface="Cambria Math" panose="02040503050406030204" charset="0"/>
+                      </a:rPr>
+                      <m:t>𝑑𝑜𝑚</m:t>
+                    </m:r>
+                    <m:r>
+                      <a:rPr lang="en-US" altLang="zh-CN" i="1">
+                        <a:latin typeface="Cambria Math" panose="02040503050406030204" charset="0"/>
+                        <a:cs typeface="Cambria Math" panose="02040503050406030204" charset="0"/>
+                      </a:rPr>
+                      <m:t>(</m:t>
+                    </m:r>
+                    <m:r>
+                      <a:rPr lang="en-US" altLang="zh-CN" i="1">
+                        <a:latin typeface="Cambria Math" panose="02040503050406030204" charset="0"/>
+                        <a:cs typeface="Cambria Math" panose="02040503050406030204" charset="0"/>
+                      </a:rPr>
+                      <m:t>𝑓</m:t>
+                    </m:r>
+                    <m:r>
+                      <a:rPr lang="en-US" altLang="zh-CN" i="1">
+                        <a:latin typeface="Cambria Math" panose="02040503050406030204" charset="0"/>
+                        <a:cs typeface="Cambria Math" panose="02040503050406030204" charset="0"/>
+                      </a:rPr>
+                      <m:t>)=</m:t>
+                    </m:r>
+                    <m:r>
+                      <a:rPr lang="en-US" altLang="zh-CN" i="1">
+                        <a:latin typeface="Cambria Math" panose="02040503050406030204" charset="0"/>
+                        <a:cs typeface="Cambria Math" panose="02040503050406030204" charset="0"/>
+                      </a:rPr>
+                      <m:t>𝑆</m:t>
+                    </m:r>
+                    <m:r>
+                      <a:rPr lang="en-US" altLang="zh-CN" i="1">
+                        <a:latin typeface="Cambria Math" panose="02040503050406030204" charset="0"/>
+                        <a:cs typeface="Cambria Math" panose="02040503050406030204" charset="0"/>
+                      </a:rPr>
+                      <m:t>，</m:t>
+                    </m:r>
+                    <m:r>
+                      <a:rPr lang="en-US" altLang="zh-CN" i="1">
+                        <a:latin typeface="Cambria Math" panose="02040503050406030204" charset="0"/>
+                        <a:cs typeface="Cambria Math" panose="02040503050406030204" charset="0"/>
+                      </a:rPr>
+                      <m:t>𝑟𝑎𝑛</m:t>
+                    </m:r>
+                    <m:r>
+                      <a:rPr lang="en-US" altLang="zh-CN" i="1">
+                        <a:latin typeface="Cambria Math" panose="02040503050406030204" charset="0"/>
+                        <a:cs typeface="Cambria Math" panose="02040503050406030204" charset="0"/>
+                      </a:rPr>
+                      <m:t>(</m:t>
+                    </m:r>
+                    <m:r>
+                      <a:rPr lang="en-US" altLang="zh-CN" i="1">
+                        <a:latin typeface="Cambria Math" panose="02040503050406030204" charset="0"/>
+                        <a:cs typeface="Cambria Math" panose="02040503050406030204" charset="0"/>
+                      </a:rPr>
+                      <m:t>𝑓</m:t>
+                    </m:r>
+                    <m:r>
+                      <a:rPr lang="en-US" altLang="zh-CN" i="1">
+                        <a:latin typeface="Cambria Math" panose="02040503050406030204" charset="0"/>
+                        <a:cs typeface="Cambria Math" panose="02040503050406030204" charset="0"/>
+                      </a:rPr>
+                      <m:t>)⊆</m:t>
+                    </m:r>
+                    <m:r>
+                      <a:rPr lang="en-US" altLang="zh-CN" i="1">
+                        <a:latin typeface="Cambria Math" panose="02040503050406030204" charset="0"/>
+                        <a:cs typeface="Cambria Math" panose="02040503050406030204" charset="0"/>
+                      </a:rPr>
+                      <m:t>𝑇</m:t>
+                    </m:r>
+                  </m:oMath>
+                </a14:m>
+                <a:r>
+                  <a:rPr lang="zh-CN" altLang="en-US">
                     <a:latin typeface="Cambria Math" panose="02040503050406030204" charset="0"/>
                     <a:cs typeface="Cambria Math" panose="02040503050406030204" charset="0"/>
                   </a:rPr>
                   <a:t>，则称</a:t>
                 </a:r>
-                <a:r>
-                  <a:rPr lang="en-US" altLang="zh-CN">
-                    <a:latin typeface="Cambria Math" panose="02040503050406030204" charset="0"/>
-                    <a:cs typeface="Cambria Math" panose="02040503050406030204" charset="0"/>
-                  </a:rPr>
-                  <a:t>f</a:t>
-                </a:r>
+                <a14:m>
+                  <m:oMath xmlns:m="http://schemas.openxmlformats.org/officeDocument/2006/math">
+                    <m:r>
+                      <a:rPr lang="en-US" altLang="zh-CN" i="1">
+                        <a:latin typeface="Cambria Math" panose="02040503050406030204" charset="0"/>
+                        <a:cs typeface="Cambria Math" panose="02040503050406030204" charset="0"/>
+                      </a:rPr>
+                      <m:t>𝑓</m:t>
+                    </m:r>
+                  </m:oMath>
+                </a14:m>
                 <a:r>
                   <a:rPr lang="zh-CN" altLang="en-US">
                     <a:latin typeface="Cambria Math" panose="02040503050406030204" charset="0"/>
@@ -7300,16 +7657,20 @@
                   </a:rPr>
                   <a:t>，则称</a:t>
                 </a:r>
-                <a:r>
-                  <a:rPr lang="en-US" altLang="zh-CN" sz="2400">
-                    <a:solidFill>
-                      <a:srgbClr val="0070C0"/>
-                    </a:solidFill>
-                    <a:latin typeface="Cambria Math" panose="02040503050406030204" charset="0"/>
-                    <a:cs typeface="Cambria Math" panose="02040503050406030204" charset="0"/>
-                  </a:rPr>
-                  <a:t>f</a:t>
-                </a:r>
+                <a14:m>
+                  <m:oMath xmlns:m="http://schemas.openxmlformats.org/officeDocument/2006/math">
+                    <m:r>
+                      <a:rPr lang="en-US" altLang="zh-CN" sz="2400" i="1">
+                        <a:solidFill>
+                          <a:srgbClr val="0070C0"/>
+                        </a:solidFill>
+                        <a:latin typeface="Cambria Math" panose="02040503050406030204" charset="0"/>
+                        <a:cs typeface="Cambria Math" panose="02040503050406030204" charset="0"/>
+                      </a:rPr>
+                      <m:t>𝑓</m:t>
+                    </m:r>
+                  </m:oMath>
+                </a14:m>
                 <a:r>
                   <a:rPr lang="zh-CN" altLang="en-US" sz="2400">
                     <a:solidFill>
@@ -7399,46 +7760,118 @@
                   </a:rPr>
                   <a:t>若</a:t>
                 </a:r>
-                <a:r>
-                  <a:rPr lang="en-US" altLang="zh-CN" sz="2400">
+                <a14:m>
+                  <m:oMath xmlns:m="http://schemas.openxmlformats.org/officeDocument/2006/math">
+                    <m:r>
+                      <a:rPr lang="en-US" altLang="zh-CN" sz="2400" i="1">
+                        <a:latin typeface="Cambria Math" panose="02040503050406030204" charset="0"/>
+                        <a:cs typeface="Cambria Math" panose="02040503050406030204" charset="0"/>
+                      </a:rPr>
+                      <m:t>𝑓</m:t>
+                    </m:r>
+                    <m:r>
+                      <a:rPr lang="en-US" altLang="zh-CN" sz="2400" i="1">
+                        <a:latin typeface="Cambria Math" panose="02040503050406030204" charset="0"/>
+                        <a:cs typeface="Cambria Math" panose="02040503050406030204" charset="0"/>
+                      </a:rPr>
+                      <m:t>(</m:t>
+                    </m:r>
+                    <m:r>
+                      <a:rPr lang="en-US" altLang="zh-CN" sz="2400" i="1">
+                        <a:latin typeface="Cambria Math" panose="02040503050406030204" charset="0"/>
+                        <a:cs typeface="Cambria Math" panose="02040503050406030204" charset="0"/>
+                      </a:rPr>
+                      <m:t>𝑥</m:t>
+                    </m:r>
+                    <m:r>
+                      <a:rPr lang="en-US" altLang="zh-CN" sz="2400" i="1">
+                        <a:latin typeface="Cambria Math" panose="02040503050406030204" charset="0"/>
+                        <a:cs typeface="Cambria Math" panose="02040503050406030204" charset="0"/>
+                      </a:rPr>
+                      <m:t>)=</m:t>
+                    </m:r>
+                    <m:r>
+                      <a:rPr lang="en-US" altLang="zh-CN" sz="2400" i="1">
+                        <a:latin typeface="Cambria Math" panose="02040503050406030204" charset="0"/>
+                        <a:cs typeface="Cambria Math" panose="02040503050406030204" charset="0"/>
+                      </a:rPr>
+                      <m:t>𝑓</m:t>
+                    </m:r>
+                    <m:r>
+                      <a:rPr lang="en-US" altLang="zh-CN" sz="2400" i="1">
+                        <a:latin typeface="Cambria Math" panose="02040503050406030204" charset="0"/>
+                        <a:cs typeface="Cambria Math" panose="02040503050406030204" charset="0"/>
+                      </a:rPr>
+                      <m:t>(</m:t>
+                    </m:r>
+                    <m:r>
+                      <a:rPr lang="en-US" altLang="zh-CN" sz="2400" i="1">
+                        <a:latin typeface="Cambria Math" panose="02040503050406030204" charset="0"/>
+                        <a:cs typeface="Cambria Math" panose="02040503050406030204" charset="0"/>
+                      </a:rPr>
+                      <m:t>𝑦</m:t>
+                    </m:r>
+                    <m:r>
+                      <a:rPr lang="en-US" altLang="zh-CN" sz="2400" i="1">
+                        <a:latin typeface="Cambria Math" panose="02040503050406030204" charset="0"/>
+                        <a:cs typeface="Cambria Math" panose="02040503050406030204" charset="0"/>
+                      </a:rPr>
+                      <m:t>)</m:t>
+                    </m:r>
+                  </m:oMath>
+                </a14:m>
+                <a:r>
+                  <a:rPr lang="zh-CN" altLang="en-US" sz="2400">
                     <a:latin typeface="Cambria Math" panose="02040503050406030204" charset="0"/>
                     <a:cs typeface="Cambria Math" panose="02040503050406030204" charset="0"/>
                     <a:sym typeface="+mn-ea"/>
                   </a:rPr>
-                  <a:t>f(x)=f(y)</a:t>
-                </a:r>
+                  <a:t>，则</a:t>
+                </a:r>
+                <a14:m>
+                  <m:oMath xmlns:m="http://schemas.openxmlformats.org/officeDocument/2006/math">
+                    <m:r>
+                      <a:rPr lang="en-US" altLang="zh-CN" sz="2400" i="1">
+                        <a:latin typeface="Cambria Math" panose="02040503050406030204" charset="0"/>
+                        <a:cs typeface="Cambria Math" panose="02040503050406030204" charset="0"/>
+                      </a:rPr>
+                      <m:t>𝑥</m:t>
+                    </m:r>
+                    <m:r>
+                      <a:rPr lang="en-US" altLang="zh-CN" sz="2400" i="1">
+                        <a:latin typeface="Cambria Math" panose="02040503050406030204" charset="0"/>
+                        <a:cs typeface="Cambria Math" panose="02040503050406030204" charset="0"/>
+                      </a:rPr>
+                      <m:t>=</m:t>
+                    </m:r>
+                    <m:r>
+                      <a:rPr lang="en-US" altLang="zh-CN" sz="2400" i="1">
+                        <a:latin typeface="Cambria Math" panose="02040503050406030204" charset="0"/>
+                        <a:cs typeface="Cambria Math" panose="02040503050406030204" charset="0"/>
+                      </a:rPr>
+                      <m:t>𝑦</m:t>
+                    </m:r>
+                  </m:oMath>
+                </a14:m>
                 <a:r>
                   <a:rPr lang="zh-CN" altLang="en-US" sz="2400">
                     <a:latin typeface="Cambria Math" panose="02040503050406030204" charset="0"/>
                     <a:cs typeface="Cambria Math" panose="02040503050406030204" charset="0"/>
                     <a:sym typeface="+mn-ea"/>
                   </a:rPr>
-                  <a:t>，则</a:t>
-                </a:r>
-                <a:r>
-                  <a:rPr lang="en-US" altLang="zh-CN" sz="2400">
-                    <a:latin typeface="Cambria Math" panose="02040503050406030204" charset="0"/>
-                    <a:cs typeface="Cambria Math" panose="02040503050406030204" charset="0"/>
-                    <a:sym typeface="+mn-ea"/>
-                  </a:rPr>
-                  <a:t>x=y</a:t>
-                </a:r>
-                <a:r>
-                  <a:rPr lang="zh-CN" altLang="en-US" sz="2400">
-                    <a:latin typeface="Cambria Math" panose="02040503050406030204" charset="0"/>
-                    <a:cs typeface="Cambria Math" panose="02040503050406030204" charset="0"/>
-                    <a:sym typeface="+mn-ea"/>
-                  </a:rPr>
                   <a:t>，称</a:t>
                 </a:r>
-                <a:r>
-                  <a:rPr lang="en-US" altLang="zh-CN" sz="2400">
-                    <a:latin typeface="Cambria Math" panose="02040503050406030204" charset="0"/>
-                    <a:cs typeface="Cambria Math" panose="02040503050406030204" charset="0"/>
-                    <a:sym typeface="+mn-ea"/>
-                  </a:rPr>
-                  <a:t>f</a:t>
-                </a:r>
+                <a14:m>
+                  <m:oMath xmlns:m="http://schemas.openxmlformats.org/officeDocument/2006/math">
+                    <m:r>
+                      <a:rPr lang="en-US" altLang="zh-CN" sz="2400" i="1">
+                        <a:latin typeface="Cambria Math" panose="02040503050406030204" charset="0"/>
+                        <a:cs typeface="Cambria Math" panose="02040503050406030204" charset="0"/>
+                      </a:rPr>
+                      <m:t>𝑓</m:t>
+                    </m:r>
+                  </m:oMath>
+                </a14:m>
                 <a:r>
                   <a:rPr lang="zh-CN" altLang="en-US" sz="2400">
                     <a:latin typeface="Cambria Math" panose="02040503050406030204" charset="0"/>
@@ -7697,10 +8130,17 @@
                   <a:rPr lang="zh-CN" altLang="en-US"/>
                   <a:t>元函数</a:t>
                 </a:r>
-                <a:r>
-                  <a:rPr lang="en-US" altLang="zh-CN"/>
-                  <a:t>f</a:t>
-                </a:r>
+                <a14:m>
+                  <m:oMath xmlns:m="http://schemas.openxmlformats.org/officeDocument/2006/math">
+                    <m:r>
+                      <a:rPr lang="en-US" altLang="zh-CN" i="1">
+                        <a:latin typeface="Cambria Math" panose="02040503050406030204" charset="0"/>
+                        <a:cs typeface="Cambria Math" panose="02040503050406030204" charset="0"/>
+                      </a:rPr>
+                      <m:t>𝑓</m:t>
+                    </m:r>
+                  </m:oMath>
+                </a14:m>
                 <a:r>
                   <a:rPr lang="zh-CN" altLang="en-US"/>
                   <a:t>是</a:t>
@@ -7791,13 +8231,17 @@
                   </a:rPr>
                   <a:t>若</a:t>
                 </a:r>
-                <a:r>
-                  <a:rPr lang="en-US" altLang="zh-CN">
-                    <a:latin typeface="Cambria Math" panose="02040503050406030204" charset="0"/>
-                    <a:cs typeface="Cambria Math" panose="02040503050406030204" charset="0"/>
-                  </a:rPr>
-                  <a:t>f</a:t>
-                </a:r>
+                <a14:m>
+                  <m:oMath xmlns:m="http://schemas.openxmlformats.org/officeDocument/2006/math">
+                    <m:r>
+                      <a:rPr lang="en-US" altLang="zh-CN" i="1">
+                        <a:latin typeface="Cambria Math" panose="02040503050406030204" charset="0"/>
+                        <a:cs typeface="Cambria Math" panose="02040503050406030204" charset="0"/>
+                      </a:rPr>
+                      <m:t>𝑓</m:t>
+                    </m:r>
+                  </m:oMath>
+                </a14:m>
                 <a:r>
                   <a:rPr lang="zh-CN" altLang="en-US">
                     <a:latin typeface="Cambria Math" panose="02040503050406030204" charset="0"/>
@@ -9430,10 +9874,17 @@
                   <a:rPr lang="zh-CN" altLang="en-US"/>
                   <a:t>设</a:t>
                 </a:r>
-                <a:r>
-                  <a:rPr lang="en-US" altLang="zh-CN"/>
-                  <a:t>R</a:t>
-                </a:r>
+                <a14:m>
+                  <m:oMath xmlns:m="http://schemas.openxmlformats.org/officeDocument/2006/math">
+                    <m:r>
+                      <a:rPr lang="en-US" altLang="zh-CN" i="1">
+                        <a:latin typeface="Cambria Math" panose="02040503050406030204" charset="0"/>
+                        <a:cs typeface="Cambria Math" panose="02040503050406030204" charset="0"/>
+                      </a:rPr>
+                      <m:t>𝑅</m:t>
+                    </m:r>
+                  </m:oMath>
+                </a14:m>
                 <a:r>
                   <a:rPr lang="zh-CN" altLang="en-US"/>
                   <a:t>是二元关系，我们常用</a:t>
@@ -9547,21 +9998,32 @@
                 <a:endParaRPr lang="en-US" altLang="zh-CN"/>
               </a:p>
               <a:p>
-                <a:endParaRPr lang="en-US" altLang="zh-CN"/>
-              </a:p>
-              <a:p>
-                <a:r>
-                  <a:rPr lang="en-US" altLang="zh-CN"/>
-                  <a:t>R</a:t>
-                </a:r>
+                <a14:m>
+                  <m:oMath xmlns:m="http://schemas.openxmlformats.org/officeDocument/2006/math">
+                    <m:r>
+                      <a:rPr lang="en-US" altLang="zh-CN" i="1">
+                        <a:latin typeface="Cambria Math" panose="02040503050406030204" charset="0"/>
+                        <a:cs typeface="Cambria Math" panose="02040503050406030204" charset="0"/>
+                      </a:rPr>
+                      <m:t>𝑅</m:t>
+                    </m:r>
+                  </m:oMath>
+                </a14:m>
                 <a:r>
                   <a:rPr lang="zh-CN" altLang="en-US"/>
                   <a:t>在</a:t>
                 </a:r>
-                <a:r>
-                  <a:rPr lang="en-US" altLang="zh-CN"/>
-                  <a:t>S</a:t>
-                </a:r>
+                <a14:m>
+                  <m:oMath xmlns:m="http://schemas.openxmlformats.org/officeDocument/2006/math">
+                    <m:r>
+                      <a:rPr lang="en-US" i="1">
+                        <a:latin typeface="Cambria Math" panose="02040503050406030204" charset="0"/>
+                        <a:cs typeface="Cambria Math" panose="02040503050406030204" charset="0"/>
+                      </a:rPr>
+                      <m:t>𝑆</m:t>
+                    </m:r>
+                  </m:oMath>
+                </a14:m>
                 <a:r>
                   <a:rPr lang="zh-CN" altLang="en-US"/>
                   <a:t>上是</a:t>
@@ -9642,29 +10104,193 @@
                 </a:endParaRPr>
               </a:p>
               <a:p>
-                <a:endParaRPr lang="en-US" altLang="zh-CN">
+                <a14:m>
+                  <m:oMath xmlns:m="http://schemas.openxmlformats.org/officeDocument/2006/math">
+                    <m:r>
+                      <a:rPr lang="en-US" altLang="zh-CN" i="1">
+                        <a:latin typeface="Cambria Math" panose="02040503050406030204" charset="0"/>
+                        <a:cs typeface="Cambria Math" panose="02040503050406030204" charset="0"/>
+                      </a:rPr>
+                      <m:t>𝑅</m:t>
+                    </m:r>
+                  </m:oMath>
+                </a14:m>
+                <a:r>
+                  <a:rPr lang="zh-CN" altLang="en-US">
+                    <a:sym typeface="+mn-ea"/>
+                  </a:rPr>
+                  <a:t>在</a:t>
+                </a:r>
+                <a14:m>
+                  <m:oMath xmlns:m="http://schemas.openxmlformats.org/officeDocument/2006/math">
+                    <m:r>
+                      <a:rPr lang="en-US" i="1">
+                        <a:latin typeface="Cambria Math" panose="02040503050406030204" charset="0"/>
+                        <a:cs typeface="Cambria Math" panose="02040503050406030204" charset="0"/>
+                      </a:rPr>
+                      <m:t>𝑆</m:t>
+                    </m:r>
+                  </m:oMath>
+                </a14:m>
+                <a:r>
+                  <a:rPr lang="zh-CN" altLang="en-US">
+                    <a:sym typeface="+mn-ea"/>
+                  </a:rPr>
+                  <a:t>上是</a:t>
+                </a:r>
+                <a:r>
+                  <a:rPr lang="zh-CN" altLang="en-US">
+                    <a:solidFill>
+                      <a:srgbClr val="0070C0"/>
+                    </a:solidFill>
+                    <a:sym typeface="+mn-ea"/>
+                  </a:rPr>
+                  <a:t>对称的</a:t>
+                </a:r>
+                <a:r>
+                  <a:rPr lang="zh-CN" altLang="en-US">
+                    <a:sym typeface="+mn-ea"/>
+                  </a:rPr>
+                  <a:t>，当且仅当</a:t>
+                </a:r>
+                <a:endParaRPr lang="zh-CN" altLang="en-US">
                   <a:sym typeface="+mn-ea"/>
                 </a:endParaRPr>
               </a:p>
               <a:p>
-                <a:r>
-                  <a:rPr lang="en-US" altLang="zh-CN">
+                <a:pPr marL="0" indent="457200">
+                  <a:buNone/>
+                </a:pPr>
+                <a:r>
+                  <a:rPr lang="zh-CN" altLang="en-US">
                     <a:sym typeface="+mn-ea"/>
                   </a:rPr>
-                  <a:t>R</a:t>
-                </a:r>
+                  <a:t>对于</a:t>
+                </a:r>
+                <a14:m>
+                  <m:oMath xmlns:m="http://schemas.openxmlformats.org/officeDocument/2006/math">
+                    <m:r>
+                      <a:rPr lang="en-US" altLang="zh-CN">
+                        <a:latin typeface="Cambria Math" panose="02040503050406030204" charset="0"/>
+                        <a:cs typeface="Cambria Math" panose="02040503050406030204" charset="0"/>
+                        <a:sym typeface="+mn-ea"/>
+                      </a:rPr>
+                      <m:t>∀</m:t>
+                    </m:r>
+                    <m:r>
+                      <a:rPr lang="en-US" altLang="zh-CN" i="1">
+                        <a:latin typeface="Cambria Math" panose="02040503050406030204" charset="0"/>
+                        <a:cs typeface="Cambria Math" panose="02040503050406030204" charset="0"/>
+                      </a:rPr>
+                      <m:t>𝑥</m:t>
+                    </m:r>
+                    <m:r>
+                      <a:rPr lang="en-US" altLang="zh-CN" i="1">
+                        <a:latin typeface="Cambria Math" panose="02040503050406030204" charset="0"/>
+                        <a:cs typeface="Cambria Math" panose="02040503050406030204" charset="0"/>
+                      </a:rPr>
+                      <m:t>,</m:t>
+                    </m:r>
+                    <m:r>
+                      <a:rPr lang="en-US" altLang="zh-CN" i="1">
+                        <a:latin typeface="Cambria Math" panose="02040503050406030204" charset="0"/>
+                        <a:cs typeface="Cambria Math" panose="02040503050406030204" charset="0"/>
+                      </a:rPr>
+                      <m:t>𝑦</m:t>
+                    </m:r>
+                    <m:r>
+                      <a:rPr lang="en-US" altLang="zh-CN" i="1">
+                        <a:latin typeface="Cambria Math" panose="02040503050406030204" charset="0"/>
+                        <a:cs typeface="Cambria Math" panose="02040503050406030204" charset="0"/>
+                      </a:rPr>
+                      <m:t>∈</m:t>
+                    </m:r>
+                    <m:r>
+                      <a:rPr lang="en-US" i="1">
+                        <a:latin typeface="Cambria Math" panose="02040503050406030204" charset="0"/>
+                        <a:cs typeface="Cambria Math" panose="02040503050406030204" charset="0"/>
+                      </a:rPr>
+                      <m:t>𝑆</m:t>
+                    </m:r>
+                  </m:oMath>
+                </a14:m>
+                <a:r>
+                  <a:rPr lang="zh-CN" altLang="en-US">
+                    <a:latin typeface="Cambria Math" panose="02040503050406030204" charset="0"/>
+                    <a:cs typeface="Cambria Math" panose="02040503050406030204" charset="0"/>
+                  </a:rPr>
+                  <a:t>，若</a:t>
+                </a:r>
+                <a14:m>
+                  <m:oMath xmlns:m="http://schemas.openxmlformats.org/officeDocument/2006/math">
+                    <m:r>
+                      <a:rPr lang="en-US" i="1">
+                        <a:latin typeface="Cambria Math" panose="02040503050406030204" charset="0"/>
+                        <a:cs typeface="Cambria Math" panose="02040503050406030204" charset="0"/>
+                      </a:rPr>
+                      <m:t>𝑥𝑅𝑦</m:t>
+                    </m:r>
+                  </m:oMath>
+                </a14:m>
+                <a:r>
+                  <a:rPr lang="zh-CN" altLang="en-US">
+                    <a:latin typeface="Cambria Math" panose="02040503050406030204" charset="0"/>
+                    <a:cs typeface="Cambria Math" panose="02040503050406030204" charset="0"/>
+                  </a:rPr>
+                  <a:t>，则</a:t>
+                </a:r>
+                <a14:m>
+                  <m:oMath xmlns:m="http://schemas.openxmlformats.org/officeDocument/2006/math">
+                    <m:r>
+                      <a:rPr lang="en-US" i="1">
+                        <a:latin typeface="Cambria Math" panose="02040503050406030204" charset="0"/>
+                        <a:cs typeface="Cambria Math" panose="02040503050406030204" charset="0"/>
+                      </a:rPr>
+                      <m:t>𝑦𝑅𝑥</m:t>
+                    </m:r>
+                  </m:oMath>
+                </a14:m>
+                <a:r>
+                  <a:rPr lang="zh-CN" altLang="en-US">
+                    <a:latin typeface="Cambria Math" panose="02040503050406030204" charset="0"/>
+                    <a:cs typeface="Cambria Math" panose="02040503050406030204" charset="0"/>
+                  </a:rPr>
+                  <a:t>。</a:t>
+                </a:r>
+                <a:endParaRPr lang="en-US" i="1">
+                  <a:latin typeface="Cambria Math" panose="02040503050406030204" charset="0"/>
+                  <a:cs typeface="Cambria Math" panose="02040503050406030204" charset="0"/>
+                </a:endParaRPr>
+              </a:p>
+              <a:p>
+                <a14:m>
+                  <m:oMath xmlns:m="http://schemas.openxmlformats.org/officeDocument/2006/math">
+                    <m:r>
+                      <a:rPr lang="en-US" altLang="zh-CN" i="1">
+                        <a:latin typeface="Cambria Math" panose="02040503050406030204" charset="0"/>
+                        <a:cs typeface="Cambria Math" panose="02040503050406030204" charset="0"/>
+                      </a:rPr>
+                      <m:t>𝑅</m:t>
+                    </m:r>
+                  </m:oMath>
+                </a14:m>
                 <a:r>
                   <a:rPr lang="zh-CN" altLang="en-US">
                     <a:sym typeface="+mn-ea"/>
                   </a:rPr>
                   <a:t>在</a:t>
                 </a:r>
-                <a:r>
-                  <a:rPr lang="en-US" altLang="zh-CN">
-                    <a:sym typeface="+mn-ea"/>
-                  </a:rPr>
-                  <a:t>S</a:t>
-                </a:r>
+                <a14:m>
+                  <m:oMath xmlns:m="http://schemas.openxmlformats.org/officeDocument/2006/math">
+                    <m:r>
+                      <a:rPr lang="en-US" i="1">
+                        <a:latin typeface="Cambria Math" panose="02040503050406030204" charset="0"/>
+                        <a:cs typeface="Cambria Math" panose="02040503050406030204" charset="0"/>
+                      </a:rPr>
+                      <m:t>𝑆</m:t>
+                    </m:r>
+                  </m:oMath>
+                </a14:m>
                 <a:r>
                   <a:rPr lang="zh-CN" altLang="en-US">
                     <a:sym typeface="+mn-ea"/>
@@ -9678,13 +10304,27 @@
                     </a:solidFill>
                     <a:sym typeface="+mn-ea"/>
                   </a:rPr>
-                  <a:t>对称的</a:t>
+                  <a:t>传递的</a:t>
                 </a:r>
                 <a:r>
                   <a:rPr lang="zh-CN" altLang="en-US">
                     <a:sym typeface="+mn-ea"/>
                   </a:rPr>
-                  <a:t>，当且仅当对于</a:t>
+                  <a:t>，当且仅当</a:t>
+                </a:r>
+                <a:endParaRPr lang="zh-CN" altLang="en-US">
+                  <a:sym typeface="+mn-ea"/>
+                </a:endParaRPr>
+              </a:p>
+              <a:p>
+                <a:pPr marL="0" indent="457200">
+                  <a:buNone/>
+                </a:pPr>
+                <a:r>
+                  <a:rPr lang="zh-CN" altLang="en-US">
+                    <a:sym typeface="+mn-ea"/>
+                  </a:rPr>
+                  <a:t>对于</a:t>
                 </a:r>
                 <a14:m>
                   <m:oMath xmlns:m="http://schemas.openxmlformats.org/officeDocument/2006/math">
@@ -9722,6 +10362,20 @@
                         <a:latin typeface="Cambria Math" panose="02040503050406030204" charset="0"/>
                         <a:cs typeface="Cambria Math" panose="02040503050406030204" charset="0"/>
                       </a:rPr>
+                      <m:t>,</m:t>
+                    </m:r>
+                    <m:r>
+                      <a:rPr lang="en-US" altLang="zh-CN" i="1">
+                        <a:latin typeface="Cambria Math" panose="02040503050406030204" charset="0"/>
+                        <a:cs typeface="Cambria Math" panose="02040503050406030204" charset="0"/>
+                      </a:rPr>
+                      <m:t>𝑧</m:t>
+                    </m:r>
+                    <m:r>
+                      <a:rPr lang="en-US" altLang="zh-CN" i="1">
+                        <a:latin typeface="Cambria Math" panose="02040503050406030204" charset="0"/>
+                        <a:cs typeface="Cambria Math" panose="02040503050406030204" charset="0"/>
+                      </a:rPr>
                       <m:t>∈</m:t>
                     </m:r>
                     <m:r>
@@ -9737,6 +10391,7 @@
                   <a:rPr lang="zh-CN" altLang="en-US">
                     <a:latin typeface="Cambria Math" panose="02040503050406030204" charset="0"/>
                     <a:cs typeface="Cambria Math" panose="02040503050406030204" charset="0"/>
+                    <a:sym typeface="+mn-ea"/>
                   </a:rPr>
                   <a:t>，若</a:t>
                 </a:r>
@@ -9755,8 +10410,9 @@
                   <a:rPr lang="zh-CN" altLang="en-US">
                     <a:latin typeface="Cambria Math" panose="02040503050406030204" charset="0"/>
                     <a:cs typeface="Cambria Math" panose="02040503050406030204" charset="0"/>
-                  </a:rPr>
-                  <a:t>，则</a:t>
+                    <a:sym typeface="+mn-ea"/>
+                  </a:rPr>
+                  <a:t>，且</a:t>
                 </a:r>
                 <a14:m>
                   <m:oMath xmlns:m="http://schemas.openxmlformats.org/officeDocument/2006/math">
@@ -9765,7 +10421,7 @@
                         <a:latin typeface="Cambria Math" panose="02040503050406030204" charset="0"/>
                         <a:cs typeface="Cambria Math" panose="02040503050406030204" charset="0"/>
                       </a:rPr>
-                      <m:t>𝑦𝑅𝑥</m:t>
+                      <m:t>𝑦𝑅𝑧</m:t>
                     </m:r>
                   </m:oMath>
                 </a14:m>
@@ -9773,12 +10429,33 @@
                   <a:rPr lang="zh-CN" altLang="en-US">
                     <a:latin typeface="Cambria Math" panose="02040503050406030204" charset="0"/>
                     <a:cs typeface="Cambria Math" panose="02040503050406030204" charset="0"/>
+                    <a:sym typeface="+mn-ea"/>
+                  </a:rPr>
+                  <a:t>，则</a:t>
+                </a:r>
+                <a14:m>
+                  <m:oMath xmlns:m="http://schemas.openxmlformats.org/officeDocument/2006/math">
+                    <m:r>
+                      <a:rPr lang="en-US" i="1">
+                        <a:latin typeface="Cambria Math" panose="02040503050406030204" charset="0"/>
+                        <a:cs typeface="Cambria Math" panose="02040503050406030204" charset="0"/>
+                      </a:rPr>
+                      <m:t>𝑥𝑅𝑧</m:t>
+                    </m:r>
+                  </m:oMath>
+                </a14:m>
+                <a:r>
+                  <a:rPr lang="zh-CN" altLang="en-US">
+                    <a:latin typeface="Cambria Math" panose="02040503050406030204" charset="0"/>
+                    <a:cs typeface="Cambria Math" panose="02040503050406030204" charset="0"/>
+                    <a:sym typeface="+mn-ea"/>
                   </a:rPr>
                   <a:t>。</a:t>
                 </a:r>
-                <a:endParaRPr lang="en-US" i="1">
+                <a:endParaRPr lang="zh-CN" altLang="en-US">
                   <a:latin typeface="Cambria Math" panose="02040503050406030204" charset="0"/>
                   <a:cs typeface="Cambria Math" panose="02040503050406030204" charset="0"/>
+                  <a:sym typeface="+mn-ea"/>
                 </a:endParaRPr>
               </a:p>
               <a:p>
@@ -9817,7 +10494,7 @@
               <a:blipFill rotWithShape="1">
                 <a:blip r:embed="rId1"/>
                 <a:stretch>
-                  <a:fillRect b="-21810"/>
+                  <a:fillRect b="-26185"/>
                 </a:stretch>
               </a:blipFill>
             </p:spPr>
@@ -9936,113 +10613,20 @@
             <p:txBody>
               <a:bodyPr/>
               <a:p>
-                <a:r>
-                  <a:rPr lang="en-US" altLang="zh-CN">
-                    <a:sym typeface="+mn-ea"/>
-                  </a:rPr>
-                  <a:t>R</a:t>
-                </a:r>
-                <a:r>
-                  <a:rPr lang="zh-CN" altLang="en-US">
-                    <a:sym typeface="+mn-ea"/>
-                  </a:rPr>
-                  <a:t>在</a:t>
-                </a:r>
-                <a:r>
-                  <a:rPr lang="en-US" altLang="zh-CN">
-                    <a:sym typeface="+mn-ea"/>
-                  </a:rPr>
-                  <a:t>S</a:t>
-                </a:r>
-                <a:r>
-                  <a:rPr lang="zh-CN" altLang="en-US">
-                    <a:sym typeface="+mn-ea"/>
-                  </a:rPr>
-                  <a:t>上是</a:t>
-                </a:r>
-                <a:r>
-                  <a:rPr lang="zh-CN" altLang="en-US">
-                    <a:solidFill>
-                      <a:srgbClr val="0070C0"/>
-                    </a:solidFill>
-                    <a:sym typeface="+mn-ea"/>
-                  </a:rPr>
-                  <a:t>传递的</a:t>
-                </a:r>
-                <a:r>
-                  <a:rPr lang="zh-CN" altLang="en-US">
-                    <a:sym typeface="+mn-ea"/>
-                  </a:rPr>
-                  <a:t>，当且仅当对于</a:t>
-                </a:r>
                 <a14:m>
                   <m:oMath xmlns:m="http://schemas.openxmlformats.org/officeDocument/2006/math">
                     <m:r>
-                      <a:rPr lang="en-US" altLang="zh-CN">
-                        <a:latin typeface="Cambria Math" panose="02040503050406030204" charset="0"/>
-                        <a:cs typeface="Cambria Math" panose="02040503050406030204" charset="0"/>
-                        <a:sym typeface="+mn-ea"/>
-                      </a:rPr>
-                      <m:t>∀</m:t>
-                    </m:r>
-                    <m:r>
-                      <a:rPr lang="en-US" altLang="zh-CN" i="1">
-                        <a:latin typeface="Cambria Math" panose="02040503050406030204" charset="0"/>
-                        <a:cs typeface="Cambria Math" panose="02040503050406030204" charset="0"/>
-                      </a:rPr>
-                      <m:t>𝑥</m:t>
-                    </m:r>
-                    <m:r>
-                      <a:rPr lang="en-US" altLang="zh-CN" i="1">
-                        <a:latin typeface="Cambria Math" panose="02040503050406030204" charset="0"/>
-                        <a:cs typeface="Cambria Math" panose="02040503050406030204" charset="0"/>
-                      </a:rPr>
-                      <m:t>,</m:t>
-                    </m:r>
-                    <m:r>
-                      <a:rPr lang="en-US" altLang="zh-CN" i="1">
-                        <a:latin typeface="Cambria Math" panose="02040503050406030204" charset="0"/>
-                        <a:cs typeface="Cambria Math" panose="02040503050406030204" charset="0"/>
-                      </a:rPr>
-                      <m:t>𝑦</m:t>
-                    </m:r>
-                    <m:r>
-                      <a:rPr lang="en-US" altLang="zh-CN" i="1">
-                        <a:latin typeface="Cambria Math" panose="02040503050406030204" charset="0"/>
-                        <a:cs typeface="Cambria Math" panose="02040503050406030204" charset="0"/>
-                      </a:rPr>
-                      <m:t>,</m:t>
-                    </m:r>
-                    <m:r>
-                      <a:rPr lang="en-US" altLang="zh-CN" i="1">
-                        <a:latin typeface="Cambria Math" panose="02040503050406030204" charset="0"/>
-                        <a:cs typeface="Cambria Math" panose="02040503050406030204" charset="0"/>
-                      </a:rPr>
-                      <m:t>𝑧</m:t>
-                    </m:r>
-                    <m:r>
-                      <a:rPr lang="en-US" altLang="zh-CN" i="1">
-                        <a:latin typeface="Cambria Math" panose="02040503050406030204" charset="0"/>
-                        <a:cs typeface="Cambria Math" panose="02040503050406030204" charset="0"/>
-                      </a:rPr>
-                      <m:t>∈</m:t>
-                    </m:r>
-                    <m:r>
-                      <a:rPr lang="en-US" i="1">
-                        <a:latin typeface="Cambria Math" panose="02040503050406030204" charset="0"/>
-                        <a:cs typeface="Cambria Math" panose="02040503050406030204" charset="0"/>
-                      </a:rPr>
-                      <m:t>𝑆</m:t>
+                      <a:rPr lang="en-US" altLang="zh-CN" i="1">
+                        <a:latin typeface="Cambria Math" panose="02040503050406030204" charset="0"/>
+                        <a:cs typeface="Cambria Math" panose="02040503050406030204" charset="0"/>
+                      </a:rPr>
+                      <m:t>𝑅</m:t>
                     </m:r>
                   </m:oMath>
                 </a14:m>
                 <a:r>
-                  <a:rPr lang="zh-CN" altLang="en-US">
-                    <a:latin typeface="Cambria Math" panose="02040503050406030204" charset="0"/>
-                    <a:cs typeface="Cambria Math" panose="02040503050406030204" charset="0"/>
-                    <a:sym typeface="+mn-ea"/>
-                  </a:rPr>
-                  <a:t>，若</a:t>
+                  <a:rPr lang="zh-CN" altLang="en-US"/>
+                  <a:t>是</a:t>
                 </a:r>
                 <a14:m>
                   <m:oMath xmlns:m="http://schemas.openxmlformats.org/officeDocument/2006/math">
@@ -10051,42 +10635,36 @@
                         <a:latin typeface="Cambria Math" panose="02040503050406030204" charset="0"/>
                         <a:cs typeface="Cambria Math" panose="02040503050406030204" charset="0"/>
                       </a:rPr>
-                      <m:t>𝑥𝑅𝑦</m:t>
+                      <m:t>𝑆</m:t>
                     </m:r>
                   </m:oMath>
                 </a14:m>
                 <a:r>
-                  <a:rPr lang="zh-CN" altLang="en-US">
-                    <a:latin typeface="Cambria Math" panose="02040503050406030204" charset="0"/>
-                    <a:cs typeface="Cambria Math" panose="02040503050406030204" charset="0"/>
-                  </a:rPr>
-                  <a:t>，且</a:t>
+                  <a:rPr lang="zh-CN" altLang="en-US"/>
+                  <a:t>上的二元关系，若</a:t>
+                </a:r>
+                <a:r>
+                  <a:rPr lang="en-US" altLang="zh-CN"/>
+                  <a:t>R</a:t>
+                </a:r>
+                <a:r>
+                  <a:rPr lang="zh-CN" altLang="en-US"/>
+                  <a:t>满足自反性、对称性、传递性，则称</a:t>
                 </a:r>
                 <a14:m>
                   <m:oMath xmlns:m="http://schemas.openxmlformats.org/officeDocument/2006/math">
                     <m:r>
-                      <a:rPr lang="en-US" i="1">
-                        <a:latin typeface="Cambria Math" panose="02040503050406030204" charset="0"/>
-                        <a:cs typeface="Cambria Math" panose="02040503050406030204" charset="0"/>
-                      </a:rPr>
-                      <m:t>𝑦</m:t>
-                    </m:r>
-                    <m:r>
-                      <a:rPr lang="en-US" i="1">
-                        <a:latin typeface="Cambria Math" panose="02040503050406030204" charset="0"/>
-                        <a:cs typeface="Cambria Math" panose="02040503050406030204" charset="0"/>
-                      </a:rPr>
-                      <m:t>𝑅𝑧</m:t>
+                      <a:rPr lang="en-US" altLang="zh-CN" i="1">
+                        <a:latin typeface="Cambria Math" panose="02040503050406030204" charset="0"/>
+                        <a:cs typeface="Cambria Math" panose="02040503050406030204" charset="0"/>
+                      </a:rPr>
+                      <m:t>𝑅</m:t>
                     </m:r>
                   </m:oMath>
                 </a14:m>
                 <a:r>
-                  <a:rPr lang="zh-CN" altLang="en-US">
-                    <a:latin typeface="Cambria Math" panose="02040503050406030204" charset="0"/>
-                    <a:cs typeface="Cambria Math" panose="02040503050406030204" charset="0"/>
-                    <a:sym typeface="+mn-ea"/>
-                  </a:rPr>
-                  <a:t>，则</a:t>
+                  <a:rPr lang="zh-CN" altLang="en-US"/>
+                  <a:t>是</a:t>
                 </a:r>
                 <a14:m>
                   <m:oMath xmlns:m="http://schemas.openxmlformats.org/officeDocument/2006/math">
@@ -10095,71 +10673,10 @@
                         <a:latin typeface="Cambria Math" panose="02040503050406030204" charset="0"/>
                         <a:cs typeface="Cambria Math" panose="02040503050406030204" charset="0"/>
                       </a:rPr>
-                      <m:t>𝑥</m:t>
-                    </m:r>
-                    <m:r>
-                      <a:rPr lang="en-US" i="1">
-                        <a:latin typeface="Cambria Math" panose="02040503050406030204" charset="0"/>
-                        <a:cs typeface="Cambria Math" panose="02040503050406030204" charset="0"/>
-                      </a:rPr>
-                      <m:t>𝑅𝑧</m:t>
+                      <m:t>𝑆</m:t>
                     </m:r>
                   </m:oMath>
                 </a14:m>
-                <a:r>
-                  <a:rPr lang="zh-CN" altLang="en-US">
-                    <a:latin typeface="Cambria Math" panose="02040503050406030204" charset="0"/>
-                    <a:cs typeface="Cambria Math" panose="02040503050406030204" charset="0"/>
-                    <a:sym typeface="+mn-ea"/>
-                  </a:rPr>
-                  <a:t>。</a:t>
-                </a:r>
-                <a:endParaRPr lang="zh-CN" altLang="en-US">
-                  <a:latin typeface="Cambria Math" panose="02040503050406030204" charset="0"/>
-                  <a:cs typeface="Cambria Math" panose="02040503050406030204" charset="0"/>
-                  <a:sym typeface="+mn-ea"/>
-                </a:endParaRPr>
-              </a:p>
-              <a:p>
-                <a:endParaRPr lang="zh-CN" altLang="en-US"/>
-              </a:p>
-              <a:p>
-                <a:r>
-                  <a:rPr lang="en-US" altLang="zh-CN"/>
-                  <a:t>R</a:t>
-                </a:r>
-                <a:r>
-                  <a:rPr lang="zh-CN" altLang="en-US"/>
-                  <a:t>是</a:t>
-                </a:r>
-                <a:r>
-                  <a:rPr lang="en-US" altLang="zh-CN"/>
-                  <a:t>S</a:t>
-                </a:r>
-                <a:r>
-                  <a:rPr lang="zh-CN" altLang="en-US"/>
-                  <a:t>上的二元关系，若</a:t>
-                </a:r>
-                <a:r>
-                  <a:rPr lang="en-US" altLang="zh-CN"/>
-                  <a:t>R</a:t>
-                </a:r>
-                <a:r>
-                  <a:rPr lang="zh-CN" altLang="en-US"/>
-                  <a:t>满足自反性、对称性、传递性，则称</a:t>
-                </a:r>
-                <a:r>
-                  <a:rPr lang="en-US" altLang="zh-CN"/>
-                  <a:t>R</a:t>
-                </a:r>
-                <a:r>
-                  <a:rPr lang="zh-CN" altLang="en-US"/>
-                  <a:t>是</a:t>
-                </a:r>
-                <a:r>
-                  <a:rPr lang="en-US" altLang="zh-CN"/>
-                  <a:t>S</a:t>
-                </a:r>
                 <a:r>
                   <a:rPr lang="zh-CN" altLang="en-US"/>
                   <a:t>上的</a:t>
@@ -10186,18 +10703,32 @@
                   <a:rPr lang="zh-CN" altLang="en-US"/>
                   <a:t>设</a:t>
                 </a:r>
-                <a:r>
-                  <a:rPr lang="en-US" altLang="zh-CN"/>
-                  <a:t>R</a:t>
-                </a:r>
+                <a14:m>
+                  <m:oMath xmlns:m="http://schemas.openxmlformats.org/officeDocument/2006/math">
+                    <m:r>
+                      <a:rPr lang="en-US" altLang="zh-CN" i="1">
+                        <a:latin typeface="Cambria Math" panose="02040503050406030204" charset="0"/>
+                        <a:cs typeface="Cambria Math" panose="02040503050406030204" charset="0"/>
+                      </a:rPr>
+                      <m:t>𝑅</m:t>
+                    </m:r>
+                  </m:oMath>
+                </a14:m>
                 <a:r>
                   <a:rPr lang="zh-CN" altLang="en-US"/>
                   <a:t>是</a:t>
                 </a:r>
-                <a:r>
-                  <a:rPr lang="en-US" altLang="zh-CN"/>
-                  <a:t>S</a:t>
-                </a:r>
+                <a14:m>
+                  <m:oMath xmlns:m="http://schemas.openxmlformats.org/officeDocument/2006/math">
+                    <m:r>
+                      <a:rPr lang="en-US" i="1">
+                        <a:latin typeface="Cambria Math" panose="02040503050406030204" charset="0"/>
+                        <a:cs typeface="Cambria Math" panose="02040503050406030204" charset="0"/>
+                      </a:rPr>
+                      <m:t>𝑆</m:t>
+                    </m:r>
+                  </m:oMath>
+                </a14:m>
                 <a:r>
                   <a:rPr lang="zh-CN" altLang="en-US"/>
                   <a:t>上的等价关系，对于</a:t>
@@ -10359,16 +10890,20 @@
                   </a:rPr>
                   <a:t>的</a:t>
                 </a:r>
-                <a:r>
-                  <a:rPr lang="en-US" altLang="zh-CN">
-                    <a:solidFill>
-                      <a:srgbClr val="0070C0"/>
-                    </a:solidFill>
-                    <a:latin typeface="Cambria Math" panose="02040503050406030204" charset="0"/>
-                    <a:cs typeface="Cambria Math" panose="02040503050406030204" charset="0"/>
-                  </a:rPr>
-                  <a:t>R</a:t>
-                </a:r>
+                <a14:m>
+                  <m:oMath xmlns:m="http://schemas.openxmlformats.org/officeDocument/2006/math">
+                    <m:r>
+                      <a:rPr lang="en-US" altLang="zh-CN" i="1">
+                        <a:solidFill>
+                          <a:srgbClr val="0070C0"/>
+                        </a:solidFill>
+                        <a:latin typeface="Cambria Math" panose="02040503050406030204" charset="0"/>
+                        <a:cs typeface="Cambria Math" panose="02040503050406030204" charset="0"/>
+                      </a:rPr>
+                      <m:t>𝑅</m:t>
+                    </m:r>
+                  </m:oMath>
+                </a14:m>
                 <a:r>
                   <a:rPr lang="zh-CN" altLang="en-US">
                     <a:solidFill>
@@ -10421,7 +10956,7 @@
               <a:blipFill rotWithShape="1">
                 <a:blip r:embed="rId1"/>
                 <a:stretch>
-                  <a:fillRect b="-29479"/>
+                  <a:fillRect/>
                 </a:stretch>
               </a:blipFill>
             </p:spPr>
@@ -10538,18 +11073,32 @@
             <p:txBody>
               <a:bodyPr/>
               <a:p>
-                <a:r>
-                  <a:rPr lang="en-US" altLang="zh-CN"/>
-                  <a:t>R</a:t>
-                </a:r>
+                <a14:m>
+                  <m:oMath xmlns:m="http://schemas.openxmlformats.org/officeDocument/2006/math">
+                    <m:r>
+                      <a:rPr lang="en-US" altLang="zh-CN" i="1">
+                        <a:latin typeface="Cambria Math" panose="02040503050406030204" charset="0"/>
+                        <a:cs typeface="Cambria Math" panose="02040503050406030204" charset="0"/>
+                      </a:rPr>
+                      <m:t>𝑅</m:t>
+                    </m:r>
+                  </m:oMath>
+                </a14:m>
                 <a:r>
                   <a:rPr lang="zh-CN" altLang="en-US"/>
                   <a:t>等价类作出</a:t>
                 </a:r>
-                <a:r>
-                  <a:rPr lang="en-US" altLang="zh-CN"/>
-                  <a:t>S</a:t>
-                </a:r>
+                <a14:m>
+                  <m:oMath xmlns:m="http://schemas.openxmlformats.org/officeDocument/2006/math">
+                    <m:r>
+                      <a:rPr lang="en-US" altLang="zh-CN" i="1">
+                        <a:latin typeface="Cambria Math" panose="02040503050406030204" charset="0"/>
+                        <a:cs typeface="Cambria Math" panose="02040503050406030204" charset="0"/>
+                      </a:rPr>
+                      <m:t>𝑆</m:t>
+                    </m:r>
+                  </m:oMath>
+                </a14:m>
                 <a:r>
                   <a:rPr lang="zh-CN" altLang="en-US"/>
                   <a:t>的一个</a:t>
@@ -10566,34 +11115,62 @@
                   <a:rPr lang="zh-CN" altLang="en-US"/>
                   <a:t>，即</a:t>
                 </a:r>
-                <a:r>
-                  <a:rPr lang="en-US" altLang="zh-CN"/>
-                  <a:t>R</a:t>
-                </a:r>
+                <a14:m>
+                  <m:oMath xmlns:m="http://schemas.openxmlformats.org/officeDocument/2006/math">
+                    <m:r>
+                      <a:rPr lang="en-US" altLang="zh-CN" i="1">
+                        <a:latin typeface="Cambria Math" panose="02040503050406030204" charset="0"/>
+                        <a:cs typeface="Cambria Math" panose="02040503050406030204" charset="0"/>
+                      </a:rPr>
+                      <m:t>𝑅</m:t>
+                    </m:r>
+                  </m:oMath>
+                </a14:m>
                 <a:r>
                   <a:rPr lang="zh-CN" altLang="en-US"/>
                   <a:t>等价类是</a:t>
                 </a:r>
-                <a:r>
-                  <a:rPr lang="en-US" altLang="zh-CN"/>
-                  <a:t>S</a:t>
-                </a:r>
+                <a14:m>
+                  <m:oMath xmlns:m="http://schemas.openxmlformats.org/officeDocument/2006/math">
+                    <m:r>
+                      <a:rPr lang="en-US" altLang="zh-CN" i="1">
+                        <a:latin typeface="Cambria Math" panose="02040503050406030204" charset="0"/>
+                        <a:cs typeface="Cambria Math" panose="02040503050406030204" charset="0"/>
+                      </a:rPr>
+                      <m:t>𝑆</m:t>
+                    </m:r>
+                  </m:oMath>
+                </a14:m>
                 <a:r>
                   <a:rPr lang="zh-CN" altLang="en-US"/>
                   <a:t>的子集，且</a:t>
                 </a:r>
-                <a:r>
-                  <a:rPr lang="en-US" altLang="zh-CN"/>
-                  <a:t>S</a:t>
-                </a:r>
+                <a14:m>
+                  <m:oMath xmlns:m="http://schemas.openxmlformats.org/officeDocument/2006/math">
+                    <m:r>
+                      <a:rPr lang="en-US" altLang="zh-CN" i="1">
+                        <a:latin typeface="Cambria Math" panose="02040503050406030204" charset="0"/>
+                        <a:cs typeface="Cambria Math" panose="02040503050406030204" charset="0"/>
+                      </a:rPr>
+                      <m:t>𝑆</m:t>
+                    </m:r>
+                  </m:oMath>
+                </a14:m>
                 <a:r>
                   <a:rPr lang="zh-CN" altLang="en-US"/>
                   <a:t>的每个元素恰好属于一个</a:t>
                 </a:r>
-                <a:r>
-                  <a:rPr lang="en-US" altLang="zh-CN"/>
-                  <a:t>R</a:t>
-                </a:r>
+                <a14:m>
+                  <m:oMath xmlns:m="http://schemas.openxmlformats.org/officeDocument/2006/math">
+                    <m:r>
+                      <a:rPr lang="en-US" altLang="zh-CN" i="1">
+                        <a:latin typeface="Cambria Math" panose="02040503050406030204" charset="0"/>
+                        <a:cs typeface="Cambria Math" panose="02040503050406030204" charset="0"/>
+                      </a:rPr>
+                      <m:t>𝑅</m:t>
+                    </m:r>
+                  </m:oMath>
+                </a14:m>
                 <a:r>
                   <a:rPr lang="zh-CN" altLang="en-US"/>
                   <a:t>等价类。</a:t>
@@ -10930,18 +11507,32 @@
                   <a:rPr lang="zh-CN" altLang="en-US"/>
                   <a:t>称两个集合</a:t>
                 </a:r>
-                <a:r>
-                  <a:rPr lang="en-US" altLang="zh-CN"/>
-                  <a:t>S</a:t>
-                </a:r>
+                <a14:m>
+                  <m:oMath xmlns:m="http://schemas.openxmlformats.org/officeDocument/2006/math">
+                    <m:r>
+                      <a:rPr lang="en-US" altLang="zh-CN" i="1">
+                        <a:latin typeface="Cambria Math" panose="02040503050406030204" charset="0"/>
+                        <a:cs typeface="Cambria Math" panose="02040503050406030204" charset="0"/>
+                      </a:rPr>
+                      <m:t>𝑆</m:t>
+                    </m:r>
+                  </m:oMath>
+                </a14:m>
                 <a:r>
                   <a:rPr lang="zh-CN" altLang="en-US"/>
                   <a:t>和</a:t>
                 </a:r>
-                <a:r>
-                  <a:rPr lang="en-US" altLang="zh-CN"/>
-                  <a:t>T</a:t>
-                </a:r>
+                <a14:m>
+                  <m:oMath xmlns:m="http://schemas.openxmlformats.org/officeDocument/2006/math">
+                    <m:r>
+                      <a:rPr lang="en-US" altLang="zh-CN" i="1">
+                        <a:latin typeface="Cambria Math" panose="02040503050406030204" charset="0"/>
+                        <a:cs typeface="Cambria Math" panose="02040503050406030204" charset="0"/>
+                      </a:rPr>
+                      <m:t>𝑇</m:t>
+                    </m:r>
+                  </m:oMath>
+                </a14:m>
                 <a:r>
                   <a:rPr lang="zh-CN" altLang="en-US"/>
                   <a:t>为</a:t>
@@ -10958,26 +11549,61 @@
                   <a:rPr lang="zh-CN" altLang="en-US"/>
                   <a:t>，记作</a:t>
                 </a:r>
-                <a:r>
-                  <a:rPr lang="en-US" altLang="zh-CN"/>
-                  <a:t>S~T</a:t>
-                </a:r>
+                <a14:m>
+                  <m:oMath xmlns:m="http://schemas.openxmlformats.org/officeDocument/2006/math">
+                    <m:r>
+                      <a:rPr lang="en-US" altLang="zh-CN" i="1">
+                        <a:latin typeface="Cambria Math" panose="02040503050406030204" charset="0"/>
+                        <a:cs typeface="Cambria Math" panose="02040503050406030204" charset="0"/>
+                      </a:rPr>
+                      <m:t>𝑆</m:t>
+                    </m:r>
+                    <m:r>
+                      <a:rPr lang="en-US" altLang="zh-CN" i="1">
+                        <a:latin typeface="Cambria Math" panose="02040503050406030204" charset="0"/>
+                        <a:cs typeface="Cambria Math" panose="02040503050406030204" charset="0"/>
+                      </a:rPr>
+                      <m:t>~</m:t>
+                    </m:r>
+                    <m:r>
+                      <a:rPr lang="en-US" altLang="zh-CN" i="1">
+                        <a:latin typeface="Cambria Math" panose="02040503050406030204" charset="0"/>
+                        <a:cs typeface="Cambria Math" panose="02040503050406030204" charset="0"/>
+                      </a:rPr>
+                      <m:t>𝑇</m:t>
+                    </m:r>
+                  </m:oMath>
+                </a14:m>
                 <a:r>
                   <a:rPr lang="zh-CN" altLang="en-US"/>
                   <a:t>，当且仅当存在有</a:t>
                 </a:r>
-                <a:r>
-                  <a:rPr lang="en-US" altLang="zh-CN"/>
-                  <a:t>S</a:t>
-                </a:r>
+                <a14:m>
+                  <m:oMath xmlns:m="http://schemas.openxmlformats.org/officeDocument/2006/math">
+                    <m:r>
+                      <a:rPr lang="en-US" altLang="zh-CN" i="1">
+                        <a:latin typeface="Cambria Math" panose="02040503050406030204" charset="0"/>
+                        <a:cs typeface="Cambria Math" panose="02040503050406030204" charset="0"/>
+                      </a:rPr>
+                      <m:t>𝑆</m:t>
+                    </m:r>
+                  </m:oMath>
+                </a14:m>
                 <a:r>
                   <a:rPr lang="zh-CN" altLang="en-US"/>
                   <a:t>到</a:t>
                 </a:r>
-                <a:r>
-                  <a:rPr lang="en-US" altLang="zh-CN"/>
-                  <a:t>T</a:t>
-                </a:r>
+                <a14:m>
+                  <m:oMath xmlns:m="http://schemas.openxmlformats.org/officeDocument/2006/math">
+                    <m:r>
+                      <a:rPr lang="en-US" altLang="zh-CN" i="1">
+                        <a:latin typeface="Cambria Math" panose="02040503050406030204" charset="0"/>
+                        <a:cs typeface="Cambria Math" panose="02040503050406030204" charset="0"/>
+                      </a:rPr>
+                      <m:t>𝑇</m:t>
+                    </m:r>
+                  </m:oMath>
+                </a14:m>
                 <a:r>
                   <a:rPr lang="zh-CN" altLang="en-US"/>
                   <a:t>的一一映射。</a:t>
@@ -11000,10 +11626,17 @@
                   <a:rPr lang="zh-CN" altLang="en-US"/>
                   <a:t>集合</a:t>
                 </a:r>
-                <a:r>
-                  <a:rPr lang="en-US" altLang="zh-CN"/>
-                  <a:t>S</a:t>
-                </a:r>
+                <a14:m>
+                  <m:oMath xmlns:m="http://schemas.openxmlformats.org/officeDocument/2006/math">
+                    <m:r>
+                      <a:rPr lang="en-US" altLang="zh-CN" i="1">
+                        <a:latin typeface="Cambria Math" panose="02040503050406030204" charset="0"/>
+                        <a:cs typeface="Cambria Math" panose="02040503050406030204" charset="0"/>
+                      </a:rPr>
+                      <m:t>𝑆</m:t>
+                    </m:r>
+                  </m:oMath>
+                </a14:m>
                 <a:r>
                   <a:rPr lang="zh-CN" altLang="en-US"/>
                   <a:t>的</a:t>
@@ -11032,10 +11665,31 @@
                   <a:rPr lang="zh-CN" altLang="en-US"/>
                   <a:t>），记作</a:t>
                 </a:r>
-                <a:r>
-                  <a:rPr lang="en-US" altLang="zh-CN"/>
-                  <a:t>|S|</a:t>
-                </a:r>
+                <a14:m>
+                  <m:oMath xmlns:m="http://schemas.openxmlformats.org/officeDocument/2006/math">
+                    <m:r>
+                      <a:rPr lang="en-US" altLang="zh-CN" i="1">
+                        <a:latin typeface="Cambria Math" panose="02040503050406030204" charset="0"/>
+                        <a:cs typeface="Cambria Math" panose="02040503050406030204" charset="0"/>
+                      </a:rPr>
+                      <m:t>|</m:t>
+                    </m:r>
+                    <m:r>
+                      <a:rPr lang="en-US" altLang="zh-CN" i="1">
+                        <a:latin typeface="Cambria Math" panose="02040503050406030204" charset="0"/>
+                        <a:cs typeface="Cambria Math" panose="02040503050406030204" charset="0"/>
+                      </a:rPr>
+                      <m:t>𝑆</m:t>
+                    </m:r>
+                    <m:r>
+                      <a:rPr lang="en-US" altLang="zh-CN" i="1">
+                        <a:latin typeface="Cambria Math" panose="02040503050406030204" charset="0"/>
+                        <a:cs typeface="Cambria Math" panose="02040503050406030204" charset="0"/>
+                      </a:rPr>
+                      <m:t>|</m:t>
+                    </m:r>
+                  </m:oMath>
+                </a14:m>
                 <a:r>
                   <a:rPr lang="zh-CN" altLang="en-US"/>
                   <a:t>。</a:t>
@@ -11048,18 +11702,74 @@
                   <a:rPr lang="zh-CN" altLang="en-US"/>
                   <a:t>若</a:t>
                 </a:r>
-                <a:r>
-                  <a:rPr lang="en-US" altLang="zh-CN"/>
-                  <a:t>|S|=|T|</a:t>
-                </a:r>
+                <a14:m>
+                  <m:oMath xmlns:m="http://schemas.openxmlformats.org/officeDocument/2006/math">
+                    <m:r>
+                      <a:rPr lang="en-US" altLang="zh-CN" i="1">
+                        <a:latin typeface="Cambria Math" panose="02040503050406030204" charset="0"/>
+                        <a:cs typeface="Cambria Math" panose="02040503050406030204" charset="0"/>
+                      </a:rPr>
+                      <m:t>|</m:t>
+                    </m:r>
+                    <m:r>
+                      <a:rPr lang="en-US" altLang="zh-CN" i="1">
+                        <a:latin typeface="Cambria Math" panose="02040503050406030204" charset="0"/>
+                        <a:cs typeface="Cambria Math" panose="02040503050406030204" charset="0"/>
+                      </a:rPr>
+                      <m:t>𝑆</m:t>
+                    </m:r>
+                    <m:r>
+                      <a:rPr lang="en-US" altLang="zh-CN" i="1">
+                        <a:latin typeface="Cambria Math" panose="02040503050406030204" charset="0"/>
+                        <a:cs typeface="Cambria Math" panose="02040503050406030204" charset="0"/>
+                      </a:rPr>
+                      <m:t>|=|</m:t>
+                    </m:r>
+                    <m:r>
+                      <a:rPr lang="en-US" altLang="zh-CN" i="1">
+                        <a:latin typeface="Cambria Math" panose="02040503050406030204" charset="0"/>
+                        <a:cs typeface="Cambria Math" panose="02040503050406030204" charset="0"/>
+                      </a:rPr>
+                      <m:t>𝑇</m:t>
+                    </m:r>
+                    <m:r>
+                      <a:rPr lang="en-US" altLang="zh-CN" i="1">
+                        <a:latin typeface="Cambria Math" panose="02040503050406030204" charset="0"/>
+                        <a:cs typeface="Cambria Math" panose="02040503050406030204" charset="0"/>
+                      </a:rPr>
+                      <m:t>|</m:t>
+                    </m:r>
+                  </m:oMath>
+                </a14:m>
                 <a:r>
                   <a:rPr lang="zh-CN" altLang="en-US"/>
                   <a:t>当前仅当</a:t>
                 </a:r>
-                <a:r>
-                  <a:rPr lang="en-US" altLang="zh-CN"/>
-                  <a:t>S~T</a:t>
-                </a:r>
+                <a14:m>
+                  <m:oMath xmlns:m="http://schemas.openxmlformats.org/officeDocument/2006/math">
+                    <m:r>
+                      <a:rPr lang="en-US" altLang="zh-CN" i="1">
+                        <a:latin typeface="Cambria Math" panose="02040503050406030204" charset="0"/>
+                        <a:cs typeface="Cambria Math" panose="02040503050406030204" charset="0"/>
+                      </a:rPr>
+                      <m:t>𝑆</m:t>
+                    </m:r>
+                    <m:r>
+                      <a:rPr lang="en-US" altLang="zh-CN" i="1">
+                        <a:latin typeface="Cambria Math" panose="02040503050406030204" charset="0"/>
+                        <a:cs typeface="Cambria Math" panose="02040503050406030204" charset="0"/>
+                      </a:rPr>
+                      <m:t>~</m:t>
+                    </m:r>
+                    <m:r>
+                      <a:rPr lang="en-US" altLang="zh-CN" i="1">
+                        <a:latin typeface="Cambria Math" panose="02040503050406030204" charset="0"/>
+                        <a:cs typeface="Cambria Math" panose="02040503050406030204" charset="0"/>
+                      </a:rPr>
+                      <m:t>𝑇</m:t>
+                    </m:r>
+                  </m:oMath>
+                </a14:m>
                 <a:r>
                   <a:rPr lang="zh-CN" altLang="en-US"/>
                   <a:t>。</a:t>
@@ -11288,58 +11998,149 @@
                   <a:rPr lang="zh-CN" altLang="en-US"/>
                   <a:t>对于有限集</a:t>
                 </a:r>
-                <a:r>
-                  <a:rPr lang="en-US" altLang="zh-CN"/>
-                  <a:t>S</a:t>
-                </a:r>
+                <a14:m>
+                  <m:oMath xmlns:m="http://schemas.openxmlformats.org/officeDocument/2006/math">
+                    <m:r>
+                      <a:rPr lang="en-US" altLang="zh-CN" i="1">
+                        <a:latin typeface="Cambria Math" panose="02040503050406030204" charset="0"/>
+                        <a:cs typeface="Cambria Math" panose="02040503050406030204" charset="0"/>
+                      </a:rPr>
+                      <m:t>𝑆</m:t>
+                    </m:r>
+                  </m:oMath>
+                </a14:m>
                 <a:r>
                   <a:rPr lang="zh-CN" altLang="en-US"/>
                   <a:t>，</a:t>
                 </a:r>
-                <a:r>
-                  <a:rPr lang="en-US" altLang="zh-CN"/>
-                  <a:t>|S|</a:t>
-                </a:r>
+                <a14:m>
+                  <m:oMath xmlns:m="http://schemas.openxmlformats.org/officeDocument/2006/math">
+                    <m:r>
+                      <a:rPr lang="en-US" altLang="zh-CN" i="1">
+                        <a:latin typeface="Cambria Math" panose="02040503050406030204" charset="0"/>
+                        <a:cs typeface="Cambria Math" panose="02040503050406030204" charset="0"/>
+                      </a:rPr>
+                      <m:t>|</m:t>
+                    </m:r>
+                    <m:r>
+                      <a:rPr lang="en-US" altLang="zh-CN" i="1">
+                        <a:latin typeface="Cambria Math" panose="02040503050406030204" charset="0"/>
+                        <a:cs typeface="Cambria Math" panose="02040503050406030204" charset="0"/>
+                      </a:rPr>
+                      <m:t>𝑆</m:t>
+                    </m:r>
+                    <m:r>
+                      <a:rPr lang="en-US" altLang="zh-CN" i="1">
+                        <a:latin typeface="Cambria Math" panose="02040503050406030204" charset="0"/>
+                        <a:cs typeface="Cambria Math" panose="02040503050406030204" charset="0"/>
+                      </a:rPr>
+                      <m:t>|</m:t>
+                    </m:r>
+                  </m:oMath>
+                </a14:m>
                 <a:r>
                   <a:rPr lang="zh-CN" altLang="en-US"/>
                   <a:t>是一个自然数</a:t>
                 </a:r>
-                <a:r>
-                  <a:rPr lang="en-US" altLang="zh-CN"/>
-                  <a:t>n</a:t>
-                </a:r>
+                <a14:m>
+                  <m:oMath xmlns:m="http://schemas.openxmlformats.org/officeDocument/2006/math">
+                    <m:r>
+                      <a:rPr lang="en-US" altLang="zh-CN" i="1">
+                        <a:latin typeface="Cambria Math" panose="02040503050406030204" charset="0"/>
+                        <a:cs typeface="Cambria Math" panose="02040503050406030204" charset="0"/>
+                      </a:rPr>
+                      <m:t>𝑛</m:t>
+                    </m:r>
+                  </m:oMath>
+                </a14:m>
                 <a:r>
                   <a:rPr lang="zh-CN" altLang="en-US"/>
                   <a:t>，则</a:t>
                 </a:r>
-                <a:r>
-                  <a:rPr lang="en-US" altLang="zh-CN"/>
-                  <a:t>n</a:t>
-                </a:r>
+                <a14:m>
+                  <m:oMath xmlns:m="http://schemas.openxmlformats.org/officeDocument/2006/math">
+                    <m:r>
+                      <a:rPr lang="en-US" altLang="zh-CN" i="1">
+                        <a:latin typeface="Cambria Math" panose="02040503050406030204" charset="0"/>
+                        <a:cs typeface="Cambria Math" panose="02040503050406030204" charset="0"/>
+                      </a:rPr>
+                      <m:t>𝑛</m:t>
+                    </m:r>
+                  </m:oMath>
+                </a14:m>
                 <a:r>
                   <a:rPr lang="zh-CN" altLang="en-US"/>
                   <a:t>表示</a:t>
                 </a:r>
-                <a:r>
-                  <a:rPr lang="en-US" altLang="zh-CN"/>
-                  <a:t>S</a:t>
-                </a:r>
+                <a14:m>
+                  <m:oMath xmlns:m="http://schemas.openxmlformats.org/officeDocument/2006/math">
+                    <m:r>
+                      <a:rPr lang="en-US" altLang="zh-CN" i="1">
+                        <a:latin typeface="Cambria Math" panose="02040503050406030204" charset="0"/>
+                        <a:cs typeface="Cambria Math" panose="02040503050406030204" charset="0"/>
+                      </a:rPr>
+                      <m:t>𝑆</m:t>
+                    </m:r>
+                  </m:oMath>
+                </a14:m>
                 <a:r>
                   <a:rPr lang="zh-CN" altLang="en-US"/>
-                  <a:t>内元素数目。且</a:t>
-                </a:r>
-                <a:r>
-                  <a:rPr lang="en-US" altLang="zh-CN"/>
-                  <a:t>S</a:t>
-                </a:r>
+                  <a:t>内元素数目。显然，</a:t>
+                </a:r>
+                <a14:m>
+                  <m:oMath xmlns:m="http://schemas.openxmlformats.org/officeDocument/2006/math">
+                    <m:r>
+                      <a:rPr lang="en-US" altLang="zh-CN" i="1">
+                        <a:latin typeface="Cambria Math" panose="02040503050406030204" charset="0"/>
+                        <a:cs typeface="Cambria Math" panose="02040503050406030204" charset="0"/>
+                      </a:rPr>
+                      <m:t>𝑆</m:t>
+                    </m:r>
+                  </m:oMath>
+                </a14:m>
                 <a:r>
                   <a:rPr lang="zh-CN" altLang="en-US"/>
                   <a:t>与</a:t>
                 </a:r>
-                <a:r>
-                  <a:rPr lang="en-US" altLang="zh-CN"/>
-                  <a:t>{1,...,n}</a:t>
-                </a:r>
+                <a14:m>
+                  <m:oMath xmlns:m="http://schemas.openxmlformats.org/officeDocument/2006/math">
+                    <m:r>
+                      <a:rPr lang="en-US" altLang="zh-CN" i="1">
+                        <a:latin typeface="Cambria Math" panose="02040503050406030204" charset="0"/>
+                        <a:cs typeface="Cambria Math" panose="02040503050406030204" charset="0"/>
+                      </a:rPr>
+                      <m:t>{</m:t>
+                    </m:r>
+                    <m:r>
+                      <a:rPr lang="en-US" altLang="zh-CN" i="1">
+                        <a:latin typeface="Cambria Math" panose="02040503050406030204" charset="0"/>
+                        <a:cs typeface="Cambria Math" panose="02040503050406030204" charset="0"/>
+                      </a:rPr>
+                      <m:t>1</m:t>
+                    </m:r>
+                    <m:r>
+                      <a:rPr lang="en-US" altLang="zh-CN" i="1">
+                        <a:latin typeface="Cambria Math" panose="02040503050406030204" charset="0"/>
+                        <a:cs typeface="Cambria Math" panose="02040503050406030204" charset="0"/>
+                      </a:rPr>
+                      <m:t>,...,</m:t>
+                    </m:r>
+                    <m:r>
+                      <a:rPr lang="en-US" altLang="zh-CN" i="1">
+                        <a:latin typeface="Cambria Math" panose="02040503050406030204" charset="0"/>
+                        <a:cs typeface="Cambria Math" panose="02040503050406030204" charset="0"/>
+                      </a:rPr>
+                      <m:t>𝑛</m:t>
+                    </m:r>
+                    <m:r>
+                      <a:rPr lang="en-US" altLang="zh-CN" i="1">
+                        <a:latin typeface="Cambria Math" panose="02040503050406030204" charset="0"/>
+                        <a:cs typeface="Cambria Math" panose="02040503050406030204" charset="0"/>
+                      </a:rPr>
+                      <m:t>}</m:t>
+                    </m:r>
+                  </m:oMath>
+                </a14:m>
                 <a:r>
                   <a:rPr lang="zh-CN" altLang="en-US"/>
                   <a:t>是等势的。</a:t>
@@ -11354,10 +12155,17 @@
                   <a:rPr lang="zh-CN" altLang="en-US"/>
                   <a:t>称</a:t>
                 </a:r>
-                <a:r>
-                  <a:rPr lang="en-US" altLang="zh-CN"/>
-                  <a:t>S</a:t>
-                </a:r>
+                <a14:m>
+                  <m:oMath xmlns:m="http://schemas.openxmlformats.org/officeDocument/2006/math">
+                    <m:r>
+                      <a:rPr lang="en-US" altLang="zh-CN" i="1">
+                        <a:latin typeface="Cambria Math" panose="02040503050406030204" charset="0"/>
+                        <a:cs typeface="Cambria Math" panose="02040503050406030204" charset="0"/>
+                      </a:rPr>
+                      <m:t>𝑆</m:t>
+                    </m:r>
+                  </m:oMath>
+                </a14:m>
                 <a:r>
                   <a:rPr lang="zh-CN" altLang="en-US"/>
                   <a:t>为</a:t>
@@ -11374,10 +12182,45 @@
                   <a:rPr lang="zh-CN" altLang="en-US"/>
                   <a:t>，当且仅当</a:t>
                 </a:r>
-                <a:r>
-                  <a:rPr lang="en-US" altLang="zh-CN"/>
-                  <a:t>|S|=|N|</a:t>
-                </a:r>
+                <a14:m>
+                  <m:oMath xmlns:m="http://schemas.openxmlformats.org/officeDocument/2006/math">
+                    <m:r>
+                      <a:rPr lang="en-US" altLang="zh-CN" i="1">
+                        <a:latin typeface="Cambria Math" panose="02040503050406030204" charset="0"/>
+                        <a:cs typeface="Cambria Math" panose="02040503050406030204" charset="0"/>
+                      </a:rPr>
+                      <m:t>|</m:t>
+                    </m:r>
+                    <m:r>
+                      <a:rPr lang="en-US" altLang="zh-CN" i="1">
+                        <a:latin typeface="Cambria Math" panose="02040503050406030204" charset="0"/>
+                        <a:cs typeface="Cambria Math" panose="02040503050406030204" charset="0"/>
+                      </a:rPr>
+                      <m:t>𝑆</m:t>
+                    </m:r>
+                    <m:r>
+                      <a:rPr lang="en-US" altLang="zh-CN" i="1">
+                        <a:latin typeface="Cambria Math" panose="02040503050406030204" charset="0"/>
+                        <a:cs typeface="Cambria Math" panose="02040503050406030204" charset="0"/>
+                      </a:rPr>
+                      <m:t>|=|</m:t>
+                    </m:r>
+                    <m:r>
+                      <a:rPr lang="en-US" altLang="zh-CN" i="1">
+                        <a:latin typeface="Cambria Math" panose="02040503050406030204" charset="0"/>
+                        <a:cs typeface="Cambria Math" panose="02040503050406030204" charset="0"/>
+                      </a:rPr>
+                      <m:t>𝑁</m:t>
+                    </m:r>
+                    <m:r>
+                      <a:rPr lang="en-US" altLang="zh-CN" i="1">
+                        <a:latin typeface="Cambria Math" panose="02040503050406030204" charset="0"/>
+                        <a:cs typeface="Cambria Math" panose="02040503050406030204" charset="0"/>
+                      </a:rPr>
+                      <m:t>|</m:t>
+                    </m:r>
+                  </m:oMath>
+                </a14:m>
                 <a:r>
                   <a:rPr lang="zh-CN" altLang="en-US"/>
                   <a:t>。</a:t>
@@ -11392,10 +12235,17 @@
                   <a:rPr lang="zh-CN" altLang="en-US"/>
                   <a:t>称</a:t>
                 </a:r>
-                <a:r>
-                  <a:rPr lang="en-US" altLang="zh-CN"/>
-                  <a:t>S</a:t>
-                </a:r>
+                <a14:m>
+                  <m:oMath xmlns:m="http://schemas.openxmlformats.org/officeDocument/2006/math">
+                    <m:r>
+                      <a:rPr lang="en-US" altLang="zh-CN" i="1">
+                        <a:latin typeface="Cambria Math" panose="02040503050406030204" charset="0"/>
+                        <a:cs typeface="Cambria Math" panose="02040503050406030204" charset="0"/>
+                      </a:rPr>
+                      <m:t>𝑆</m:t>
+                    </m:r>
+                  </m:oMath>
+                </a14:m>
                 <a:r>
                   <a:rPr lang="zh-CN" altLang="en-US"/>
                   <a:t>为</a:t>
@@ -11484,7 +12334,7 @@
               <a:blipFill rotWithShape="1">
                 <a:blip r:embed="rId1"/>
                 <a:stretch>
-                  <a:fillRect r="-216"/>
+                  <a:fillRect/>
                 </a:stretch>
               </a:blipFill>
             </p:spPr>
@@ -12344,10 +13194,119 @@
                   <a:rPr lang="zh-CN" altLang="en-US"/>
                   <a:t>，非负偶数集的外延为</a:t>
                 </a:r>
-                <a:r>
-                  <a:rPr lang="en-US" altLang="zh-CN"/>
-                  <a:t>{0,2,4,...}</a:t>
-                </a:r>
+                <a14:m>
+                  <m:oMath xmlns:m="http://schemas.openxmlformats.org/officeDocument/2006/math">
+                    <m:r>
+                      <a:rPr lang="en-US" altLang="zh-CN" i="1">
+                        <a:latin typeface="Cambria Math" panose="02040503050406030204" charset="0"/>
+                        <a:cs typeface="Cambria Math" panose="02040503050406030204" charset="0"/>
+                      </a:rPr>
+                      <m:t>{</m:t>
+                    </m:r>
+                    <m:r>
+                      <a:rPr lang="en-US" altLang="zh-CN" i="1">
+                        <a:latin typeface="Cambria Math" panose="02040503050406030204" charset="0"/>
+                        <a:cs typeface="Cambria Math" panose="02040503050406030204" charset="0"/>
+                      </a:rPr>
+                      <m:t>0</m:t>
+                    </m:r>
+                    <m:r>
+                      <a:rPr lang="en-US" altLang="zh-CN" i="1">
+                        <a:latin typeface="Cambria Math" panose="02040503050406030204" charset="0"/>
+                        <a:cs typeface="Cambria Math" panose="02040503050406030204" charset="0"/>
+                      </a:rPr>
+                      <m:t>,</m:t>
+                    </m:r>
+                    <m:r>
+                      <a:rPr lang="en-US" altLang="zh-CN" i="1">
+                        <a:latin typeface="Cambria Math" panose="02040503050406030204" charset="0"/>
+                        <a:cs typeface="Cambria Math" panose="02040503050406030204" charset="0"/>
+                      </a:rPr>
+                      <m:t>2</m:t>
+                    </m:r>
+                    <m:r>
+                      <a:rPr lang="en-US" altLang="zh-CN" i="1">
+                        <a:latin typeface="Cambria Math" panose="02040503050406030204" charset="0"/>
+                        <a:cs typeface="Cambria Math" panose="02040503050406030204" charset="0"/>
+                      </a:rPr>
+                      <m:t>,</m:t>
+                    </m:r>
+                    <m:r>
+                      <a:rPr lang="en-US" altLang="zh-CN" i="1">
+                        <a:latin typeface="Cambria Math" panose="02040503050406030204" charset="0"/>
+                        <a:cs typeface="Cambria Math" panose="02040503050406030204" charset="0"/>
+                      </a:rPr>
+                      <m:t>4</m:t>
+                    </m:r>
+                    <m:r>
+                      <a:rPr lang="en-US" altLang="zh-CN" i="1">
+                        <a:latin typeface="Cambria Math" panose="02040503050406030204" charset="0"/>
+                        <a:cs typeface="Cambria Math" panose="02040503050406030204" charset="0"/>
+                      </a:rPr>
+                      <m:t>,...</m:t>
+                    </m:r>
+                    <m:r>
+                      <a:rPr lang="en-US" altLang="zh-CN" i="1">
+                        <a:latin typeface="Cambria Math" panose="02040503050406030204" charset="0"/>
+                        <a:cs typeface="Cambria Math" panose="02040503050406030204" charset="0"/>
+                      </a:rPr>
+                      <m:t>}</m:t>
+                    </m:r>
+                  </m:oMath>
+                </a14:m>
+                <a:r>
+                  <a:rPr lang="zh-CN" altLang="en-US">
+                    <a:latin typeface="Cambria Math" panose="02040503050406030204" charset="0"/>
+                    <a:cs typeface="Cambria Math" panose="02040503050406030204" charset="0"/>
+                  </a:rPr>
+                  <a:t>或</a:t>
+                </a:r>
+                <a14:m>
+                  <m:oMath xmlns:m="http://schemas.openxmlformats.org/officeDocument/2006/math">
+                    <m:r>
+                      <a:rPr lang="en-US" altLang="zh-CN" i="1">
+                        <a:latin typeface="Cambria Math" panose="02040503050406030204" charset="0"/>
+                        <a:cs typeface="Cambria Math" panose="02040503050406030204" charset="0"/>
+                      </a:rPr>
+                      <m:t>{</m:t>
+                    </m:r>
+                    <m:r>
+                      <a:rPr lang="en-US" altLang="zh-CN" i="1">
+                        <a:latin typeface="Cambria Math" panose="02040503050406030204" charset="0"/>
+                        <a:cs typeface="Cambria Math" panose="02040503050406030204" charset="0"/>
+                      </a:rPr>
+                      <m:t>𝑥</m:t>
+                    </m:r>
+                    <m:r>
+                      <a:rPr lang="en-US" altLang="zh-CN" i="1">
+                        <a:latin typeface="Cambria Math" panose="02040503050406030204" charset="0"/>
+                        <a:cs typeface="Cambria Math" panose="02040503050406030204" charset="0"/>
+                      </a:rPr>
+                      <m:t>|</m:t>
+                    </m:r>
+                    <m:r>
+                      <a:rPr lang="en-US" altLang="zh-CN" i="1">
+                        <a:latin typeface="Cambria Math" panose="02040503050406030204" charset="0"/>
+                        <a:cs typeface="Cambria Math" panose="02040503050406030204" charset="0"/>
+                      </a:rPr>
+                      <m:t>𝑥</m:t>
+                    </m:r>
+                    <m:r>
+                      <a:rPr lang="en-US" altLang="zh-CN" i="1">
+                        <a:latin typeface="Cambria Math" panose="02040503050406030204" charset="0"/>
+                        <a:cs typeface="Cambria Math" panose="02040503050406030204" charset="0"/>
+                      </a:rPr>
+                      <m:t>为</m:t>
+                    </m:r>
+                    <m:r>
+                      <a:rPr lang="en-US" altLang="zh-CN" i="1">
+                        <a:latin typeface="Cambria Math" panose="02040503050406030204" charset="0"/>
+                        <a:cs typeface="Cambria Math" panose="02040503050406030204" charset="0"/>
+                      </a:rPr>
+                      <m:t>非负的偶数}</m:t>
+                    </m:r>
+                  </m:oMath>
+                </a14:m>
                 <a:r>
                   <a:rPr lang="zh-CN" altLang="en-US"/>
                   <a:t>，它的内涵是</a:t>
@@ -12684,7 +13643,7 @@
               <a:blipFill rotWithShape="1">
                 <a:blip r:embed="rId1"/>
                 <a:stretch>
-                  <a:fillRect/>
+                  <a:fillRect b="-2578"/>
                 </a:stretch>
               </a:blipFill>
             </p:spPr>
@@ -13973,7 +14932,39 @@
                     <a:latin typeface="Cambria Math" panose="02040503050406030204" charset="0"/>
                     <a:cs typeface="Cambria Math" panose="02040503050406030204" charset="0"/>
                   </a:rPr>
-                  <a:t>{a,b}</a:t>
+                  <a:t>{</a:t>
+                </a:r>
+                <a14:m>
+                  <m:oMath xmlns:m="http://schemas.openxmlformats.org/officeDocument/2006/math">
+                    <m:r>
+                      <a:rPr lang="en-US" altLang="zh-CN" i="1">
+                        <a:latin typeface="Cambria Math" panose="02040503050406030204" charset="0"/>
+                        <a:cs typeface="Cambria Math" panose="02040503050406030204" charset="0"/>
+                      </a:rPr>
+                      <m:t>𝑎</m:t>
+                    </m:r>
+                    <m:r>
+                      <a:rPr lang="en-US" altLang="zh-CN" i="1">
+                        <a:latin typeface="Cambria Math" panose="02040503050406030204" charset="0"/>
+                        <a:cs typeface="Cambria Math" panose="02040503050406030204" charset="0"/>
+                      </a:rPr>
+                      <m:t>,</m:t>
+                    </m:r>
+                    <m:r>
+                      <a:rPr lang="en-US" altLang="zh-CN" i="1">
+                        <a:latin typeface="Cambria Math" panose="02040503050406030204" charset="0"/>
+                        <a:cs typeface="Cambria Math" panose="02040503050406030204" charset="0"/>
+                      </a:rPr>
+                      <m:t>𝑏</m:t>
+                    </m:r>
+                  </m:oMath>
+                </a14:m>
+                <a:r>
+                  <a:rPr lang="en-US" altLang="zh-CN">
+                    <a:latin typeface="Cambria Math" panose="02040503050406030204" charset="0"/>
+                    <a:cs typeface="Cambria Math" panose="02040503050406030204" charset="0"/>
+                  </a:rPr>
+                  <a:t>}</a:t>
                 </a:r>
                 <a:r>
                   <a:rPr lang="zh-CN" altLang="en-US">
@@ -16669,7 +17660,7 @@
                   <a:rPr lang="zh-CN" altLang="en-US">
                     <a:sym typeface="+mn-ea"/>
                   </a:rPr>
-                  <a:t>自然数集行的二元关系</a:t>
+                  <a:t>自然数集的二元关系</a:t>
                 </a:r>
                 <a:r>
                   <a:rPr lang="en-US" altLang="zh-CN">
